--- a/PyCon2023/PyConChina2023-LLM+RAG企业落地-Ai兔兔.pptx
+++ b/PyCon2023/PyConChina2023-LLM+RAG企业落地-Ai兔兔.pptx
@@ -5,7 +5,7 @@
     <p:sldMasterId id="2147483648" r:id="rId1"/>
   </p:sldMasterIdLst>
   <p:notesMasterIdLst>
-    <p:notesMasterId r:id="rId27"/>
+    <p:notesMasterId r:id="rId28"/>
   </p:notesMasterIdLst>
   <p:sldIdLst>
     <p:sldId id="256" r:id="rId2"/>
@@ -25,19 +25,20 @@
     <p:sldId id="266" r:id="rId16"/>
     <p:sldId id="269" r:id="rId17"/>
     <p:sldId id="270" r:id="rId18"/>
-    <p:sldId id="274" r:id="rId19"/>
-    <p:sldId id="271" r:id="rId20"/>
-    <p:sldId id="272" r:id="rId21"/>
-    <p:sldId id="273" r:id="rId22"/>
+    <p:sldId id="271" r:id="rId19"/>
+    <p:sldId id="272" r:id="rId20"/>
+    <p:sldId id="273" r:id="rId21"/>
+    <p:sldId id="274" r:id="rId22"/>
     <p:sldId id="275" r:id="rId23"/>
     <p:sldId id="282" r:id="rId24"/>
     <p:sldId id="276" r:id="rId25"/>
-    <p:sldId id="281" r:id="rId26"/>
+    <p:sldId id="283" r:id="rId26"/>
+    <p:sldId id="281" r:id="rId27"/>
   </p:sldIdLst>
   <p:sldSz cx="12192000" cy="6858000"/>
   <p:notesSz cx="6858000" cy="9144000"/>
   <p:custDataLst>
-    <p:tags r:id="rId28"/>
+    <p:tags r:id="rId29"/>
   </p:custDataLst>
   <p:defaultTextStyle>
     <a:defPPr>
@@ -939,11 +940,11 @@
 </file>
 
 <file path=ppt/diagrams/colors2.xml><?xml version="1.0" encoding="utf-8"?>
-<dgm:colorsDef xmlns:dgm="http://schemas.openxmlformats.org/drawingml/2006/diagram" xmlns:a="http://schemas.openxmlformats.org/drawingml/2006/main" uniqueId="urn:microsoft.com/office/officeart/2005/8/colors/colorful2">
+<dgm:colorsDef xmlns:dgm="http://schemas.openxmlformats.org/drawingml/2006/diagram" xmlns:a="http://schemas.openxmlformats.org/drawingml/2006/main" uniqueId="urn:microsoft.com/office/officeart/2005/8/colors/colorful1">
   <dgm:title val=""/>
   <dgm:desc val=""/>
   <dgm:catLst>
-    <dgm:cat type="colorful" pri="10200"/>
+    <dgm:cat type="colorful" pri="10100"/>
   </dgm:catLst>
   <dgm:styleLbl name="node0">
     <dgm:fillClrLst meth="repeat">
@@ -958,9 +959,12 @@
     <dgm:txEffectClrLst/>
   </dgm:styleLbl>
   <dgm:styleLbl name="node1">
-    <dgm:fillClrLst>
+    <dgm:fillClrLst meth="repeat">
       <a:schemeClr val="accent2"/>
       <a:schemeClr val="accent3"/>
+      <a:schemeClr val="accent4"/>
+      <a:schemeClr val="accent5"/>
+      <a:schemeClr val="accent6"/>
     </dgm:fillClrLst>
     <dgm:linClrLst meth="repeat">
       <a:schemeClr val="lt1"/>
@@ -971,13 +975,19 @@
     <dgm:txEffectClrLst/>
   </dgm:styleLbl>
   <dgm:styleLbl name="alignNode1">
-    <dgm:fillClrLst>
+    <dgm:fillClrLst meth="repeat">
       <a:schemeClr val="accent2"/>
       <a:schemeClr val="accent3"/>
-    </dgm:fillClrLst>
-    <dgm:linClrLst>
+      <a:schemeClr val="accent4"/>
+      <a:schemeClr val="accent5"/>
+      <a:schemeClr val="accent6"/>
+    </dgm:fillClrLst>
+    <dgm:linClrLst meth="repeat">
       <a:schemeClr val="accent2"/>
       <a:schemeClr val="accent3"/>
+      <a:schemeClr val="accent4"/>
+      <a:schemeClr val="accent5"/>
+      <a:schemeClr val="accent6"/>
     </dgm:linClrLst>
     <dgm:effectClrLst/>
     <dgm:txLinClrLst/>
@@ -985,9 +995,12 @@
     <dgm:txEffectClrLst/>
   </dgm:styleLbl>
   <dgm:styleLbl name="lnNode1">
-    <dgm:fillClrLst>
+    <dgm:fillClrLst meth="repeat">
       <a:schemeClr val="accent2"/>
       <a:schemeClr val="accent3"/>
+      <a:schemeClr val="accent4"/>
+      <a:schemeClr val="accent5"/>
+      <a:schemeClr val="accent6"/>
     </dgm:fillClrLst>
     <dgm:linClrLst meth="repeat">
       <a:schemeClr val="lt1"/>
@@ -998,13 +1011,22 @@
     <dgm:txEffectClrLst/>
   </dgm:styleLbl>
   <dgm:styleLbl name="vennNode1">
-    <dgm:fillClrLst>
+    <dgm:fillClrLst meth="repeat">
       <a:schemeClr val="accent2">
         <a:alpha val="50000"/>
       </a:schemeClr>
       <a:schemeClr val="accent3">
         <a:alpha val="50000"/>
       </a:schemeClr>
+      <a:schemeClr val="accent4">
+        <a:alpha val="50000"/>
+      </a:schemeClr>
+      <a:schemeClr val="accent5">
+        <a:alpha val="50000"/>
+      </a:schemeClr>
+      <a:schemeClr val="accent6">
+        <a:alpha val="50000"/>
+      </a:schemeClr>
     </dgm:fillClrLst>
     <dgm:linClrLst meth="repeat">
       <a:schemeClr val="lt1"/>
@@ -1016,7 +1038,7 @@
   </dgm:styleLbl>
   <dgm:styleLbl name="node2">
     <dgm:fillClrLst>
-      <a:schemeClr val="accent3"/>
+      <a:schemeClr val="accent2"/>
     </dgm:fillClrLst>
     <dgm:linClrLst meth="repeat">
       <a:schemeClr val="lt1"/>
@@ -1028,7 +1050,7 @@
   </dgm:styleLbl>
   <dgm:styleLbl name="node3">
     <dgm:fillClrLst>
-      <a:schemeClr val="accent4"/>
+      <a:schemeClr val="accent3"/>
     </dgm:fillClrLst>
     <dgm:linClrLst meth="repeat">
       <a:schemeClr val="lt1"/>
@@ -1040,7 +1062,7 @@
   </dgm:styleLbl>
   <dgm:styleLbl name="node4">
     <dgm:fillClrLst>
-      <a:schemeClr val="accent5"/>
+      <a:schemeClr val="accent4"/>
     </dgm:fillClrLst>
     <dgm:linClrLst meth="repeat">
       <a:schemeClr val="lt1"/>
@@ -1051,13 +1073,22 @@
     <dgm:txEffectClrLst/>
   </dgm:styleLbl>
   <dgm:styleLbl name="fgImgPlace1">
-    <dgm:fillClrLst>
+    <dgm:fillClrLst meth="repeat">
       <a:schemeClr val="accent2">
         <a:tint val="50000"/>
       </a:schemeClr>
       <a:schemeClr val="accent3">
         <a:tint val="50000"/>
       </a:schemeClr>
+      <a:schemeClr val="accent4">
+        <a:tint val="50000"/>
+      </a:schemeClr>
+      <a:schemeClr val="accent5">
+        <a:tint val="50000"/>
+      </a:schemeClr>
+      <a:schemeClr val="accent6">
+        <a:tint val="50000"/>
+      </a:schemeClr>
     </dgm:fillClrLst>
     <dgm:linClrLst meth="repeat">
       <a:schemeClr val="lt1"/>
@@ -1071,10 +1102,10 @@
   </dgm:styleLbl>
   <dgm:styleLbl name="alignImgPlace1">
     <dgm:fillClrLst>
-      <a:schemeClr val="accent2">
+      <a:schemeClr val="accent1">
         <a:tint val="50000"/>
       </a:schemeClr>
-      <a:schemeClr val="accent3">
+      <a:schemeClr val="accent2">
         <a:tint val="20000"/>
       </a:schemeClr>
     </dgm:fillClrLst>
@@ -1090,10 +1121,10 @@
   </dgm:styleLbl>
   <dgm:styleLbl name="bgImgPlace1">
     <dgm:fillClrLst>
-      <a:schemeClr val="accent2">
+      <a:schemeClr val="accent1">
         <a:tint val="50000"/>
       </a:schemeClr>
-      <a:schemeClr val="accent3">
+      <a:schemeClr val="accent2">
         <a:tint val="20000"/>
       </a:schemeClr>
     </dgm:fillClrLst>
@@ -1108,11 +1139,14 @@
     <dgm:txEffectClrLst/>
   </dgm:styleLbl>
   <dgm:styleLbl name="sibTrans2D1">
-    <dgm:fillClrLst>
+    <dgm:fillClrLst meth="repeat">
       <a:schemeClr val="accent2"/>
       <a:schemeClr val="accent3"/>
-    </dgm:fillClrLst>
-    <dgm:linClrLst meth="repeat">
+      <a:schemeClr val="accent4"/>
+      <a:schemeClr val="accent5"/>
+      <a:schemeClr val="accent6"/>
+    </dgm:fillClrLst>
+    <dgm:linClrLst meth="cycle">
       <a:schemeClr val="lt1"/>
     </dgm:linClrLst>
     <dgm:effectClrLst/>
@@ -1121,11 +1155,14 @@
     <dgm:txEffectClrLst/>
   </dgm:styleLbl>
   <dgm:styleLbl name="fgSibTrans2D1">
-    <dgm:fillClrLst>
+    <dgm:fillClrLst meth="repeat">
       <a:schemeClr val="accent2"/>
       <a:schemeClr val="accent3"/>
-    </dgm:fillClrLst>
-    <dgm:linClrLst meth="repeat">
+      <a:schemeClr val="accent4"/>
+      <a:schemeClr val="accent5"/>
+      <a:schemeClr val="accent6"/>
+    </dgm:fillClrLst>
+    <dgm:linClrLst meth="cycle">
       <a:schemeClr val="lt1"/>
     </dgm:linClrLst>
     <dgm:effectClrLst/>
@@ -1136,11 +1173,14 @@
     <dgm:txEffectClrLst/>
   </dgm:styleLbl>
   <dgm:styleLbl name="bgSibTrans2D1">
-    <dgm:fillClrLst>
+    <dgm:fillClrLst meth="repeat">
       <a:schemeClr val="accent2"/>
       <a:schemeClr val="accent3"/>
-    </dgm:fillClrLst>
-    <dgm:linClrLst meth="repeat">
+      <a:schemeClr val="accent4"/>
+      <a:schemeClr val="accent5"/>
+      <a:schemeClr val="accent6"/>
+    </dgm:fillClrLst>
+    <dgm:linClrLst meth="cycle">
       <a:schemeClr val="lt1"/>
     </dgm:linClrLst>
     <dgm:effectClrLst/>
@@ -1151,10 +1191,19 @@
     <dgm:txEffectClrLst/>
   </dgm:styleLbl>
   <dgm:styleLbl name="sibTrans1D1">
-    <dgm:fillClrLst/>
-    <dgm:linClrLst>
+    <dgm:fillClrLst meth="repeat">
       <a:schemeClr val="accent2"/>
       <a:schemeClr val="accent3"/>
+      <a:schemeClr val="accent4"/>
+      <a:schemeClr val="accent5"/>
+      <a:schemeClr val="accent6"/>
+    </dgm:fillClrLst>
+    <dgm:linClrLst meth="repeat">
+      <a:schemeClr val="accent2"/>
+      <a:schemeClr val="accent3"/>
+      <a:schemeClr val="accent4"/>
+      <a:schemeClr val="accent5"/>
+      <a:schemeClr val="accent6"/>
     </dgm:linClrLst>
     <dgm:effectClrLst/>
     <dgm:txLinClrLst/>
@@ -1181,12 +1230,10 @@
   </dgm:styleLbl>
   <dgm:styleLbl name="asst0">
     <dgm:fillClrLst meth="repeat">
-      <a:schemeClr val="accent2"/>
+      <a:schemeClr val="accent1"/>
     </dgm:fillClrLst>
     <dgm:linClrLst meth="repeat">
-      <a:schemeClr val="lt1">
-        <a:shade val="80000"/>
-      </a:schemeClr>
+      <a:schemeClr val="lt1"/>
     </dgm:linClrLst>
     <dgm:effectClrLst/>
     <dgm:txLinClrLst/>
@@ -1195,12 +1242,10 @@
   </dgm:styleLbl>
   <dgm:styleLbl name="asst1">
     <dgm:fillClrLst meth="repeat">
-      <a:schemeClr val="accent3"/>
+      <a:schemeClr val="accent2"/>
     </dgm:fillClrLst>
     <dgm:linClrLst meth="repeat">
-      <a:schemeClr val="lt1">
-        <a:shade val="80000"/>
-      </a:schemeClr>
+      <a:schemeClr val="lt1"/>
     </dgm:linClrLst>
     <dgm:effectClrLst/>
     <dgm:txLinClrLst/>
@@ -1209,7 +1254,7 @@
   </dgm:styleLbl>
   <dgm:styleLbl name="asst2">
     <dgm:fillClrLst>
-      <a:schemeClr val="accent4"/>
+      <a:schemeClr val="accent3"/>
     </dgm:fillClrLst>
     <dgm:linClrLst meth="repeat">
       <a:schemeClr val="lt1"/>
@@ -1221,7 +1266,7 @@
   </dgm:styleLbl>
   <dgm:styleLbl name="asst3">
     <dgm:fillClrLst>
-      <a:schemeClr val="accent5"/>
+      <a:schemeClr val="accent4"/>
     </dgm:fillClrLst>
     <dgm:linClrLst meth="repeat">
       <a:schemeClr val="lt1"/>
@@ -1233,7 +1278,7 @@
   </dgm:styleLbl>
   <dgm:styleLbl name="asst4">
     <dgm:fillClrLst>
-      <a:schemeClr val="accent6"/>
+      <a:schemeClr val="accent5"/>
     </dgm:fillClrLst>
     <dgm:linClrLst meth="repeat">
       <a:schemeClr val="lt1"/>
@@ -1300,7 +1345,7 @@
       <a:schemeClr val="accent2"/>
     </dgm:fillClrLst>
     <dgm:linClrLst meth="repeat">
-      <a:schemeClr val="accent2"/>
+      <a:schemeClr val="accent1"/>
     </dgm:linClrLst>
     <dgm:effectClrLst/>
     <dgm:txLinClrLst/>
@@ -1311,12 +1356,12 @@
   </dgm:styleLbl>
   <dgm:styleLbl name="parChTrans1D2">
     <dgm:fillClrLst meth="repeat">
-      <a:schemeClr val="accent2">
+      <a:schemeClr val="accent3">
         <a:tint val="90000"/>
       </a:schemeClr>
     </dgm:fillClrLst>
     <dgm:linClrLst meth="repeat">
-      <a:schemeClr val="accent3"/>
+      <a:schemeClr val="accent2"/>
     </dgm:linClrLst>
     <dgm:effectClrLst/>
     <dgm:txLinClrLst/>
@@ -1327,12 +1372,12 @@
   </dgm:styleLbl>
   <dgm:styleLbl name="parChTrans1D3">
     <dgm:fillClrLst meth="repeat">
-      <a:schemeClr val="accent2">
+      <a:schemeClr val="accent4">
         <a:tint val="70000"/>
       </a:schemeClr>
     </dgm:fillClrLst>
     <dgm:linClrLst meth="repeat">
-      <a:schemeClr val="accent4"/>
+      <a:schemeClr val="accent3"/>
     </dgm:linClrLst>
     <dgm:effectClrLst/>
     <dgm:txLinClrLst/>
@@ -1343,12 +1388,12 @@
   </dgm:styleLbl>
   <dgm:styleLbl name="parChTrans1D4">
     <dgm:fillClrLst meth="repeat">
-      <a:schemeClr val="accent2">
+      <a:schemeClr val="accent5">
         <a:tint val="50000"/>
       </a:schemeClr>
     </dgm:fillClrLst>
     <dgm:linClrLst meth="repeat">
-      <a:schemeClr val="accent5"/>
+      <a:schemeClr val="accent4"/>
     </dgm:linClrLst>
     <dgm:effectClrLst/>
     <dgm:txLinClrLst/>
@@ -1363,9 +1408,12 @@
         <a:alpha val="90000"/>
       </a:schemeClr>
     </dgm:fillClrLst>
-    <dgm:linClrLst>
+    <dgm:linClrLst meth="repeat">
       <a:schemeClr val="accent2"/>
       <a:schemeClr val="accent3"/>
+      <a:schemeClr val="accent4"/>
+      <a:schemeClr val="accent5"/>
+      <a:schemeClr val="accent6"/>
     </dgm:linClrLst>
     <dgm:effectClrLst/>
     <dgm:txLinClrLst/>
@@ -1380,9 +1428,12 @@
         <a:alpha val="90000"/>
       </a:schemeClr>
     </dgm:fillClrLst>
-    <dgm:linClrLst>
+    <dgm:linClrLst meth="repeat">
       <a:schemeClr val="accent2"/>
       <a:schemeClr val="accent3"/>
+      <a:schemeClr val="accent4"/>
+      <a:schemeClr val="accent5"/>
+      <a:schemeClr val="accent6"/>
     </dgm:linClrLst>
     <dgm:effectClrLst/>
     <dgm:txLinClrLst/>
@@ -1397,9 +1448,12 @@
         <a:alpha val="90000"/>
       </a:schemeClr>
     </dgm:fillClrLst>
-    <dgm:linClrLst>
+    <dgm:linClrLst meth="repeat">
       <a:schemeClr val="accent2"/>
       <a:schemeClr val="accent3"/>
+      <a:schemeClr val="accent4"/>
+      <a:schemeClr val="accent5"/>
+      <a:schemeClr val="accent6"/>
     </dgm:linClrLst>
     <dgm:effectClrLst/>
     <dgm:txLinClrLst/>
@@ -1415,7 +1469,7 @@
       </a:schemeClr>
     </dgm:fillClrLst>
     <dgm:linClrLst meth="repeat">
-      <a:schemeClr val="accent2"/>
+      <a:schemeClr val="accent1"/>
     </dgm:linClrLst>
     <dgm:effectClrLst/>
     <dgm:txLinClrLst/>
@@ -1430,9 +1484,12 @@
         <a:alpha val="90000"/>
       </a:schemeClr>
     </dgm:fillClrLst>
-    <dgm:linClrLst>
+    <dgm:linClrLst meth="repeat">
       <a:schemeClr val="accent2"/>
       <a:schemeClr val="accent3"/>
+      <a:schemeClr val="accent4"/>
+      <a:schemeClr val="accent5"/>
+      <a:schemeClr val="accent6"/>
     </dgm:linClrLst>
     <dgm:effectClrLst/>
     <dgm:txLinClrLst/>
@@ -1445,9 +1502,12 @@
     <dgm:fillClrLst meth="repeat">
       <a:schemeClr val="lt1"/>
     </dgm:fillClrLst>
-    <dgm:linClrLst>
+    <dgm:linClrLst meth="repeat">
       <a:schemeClr val="accent2"/>
       <a:schemeClr val="accent3"/>
+      <a:schemeClr val="accent4"/>
+      <a:schemeClr val="accent5"/>
+      <a:schemeClr val="accent6"/>
     </dgm:linClrLst>
     <dgm:effectClrLst/>
     <dgm:txLinClrLst/>
@@ -1460,9 +1520,12 @@
     <dgm:fillClrLst meth="repeat">
       <a:schemeClr val="lt1"/>
     </dgm:fillClrLst>
-    <dgm:linClrLst>
+    <dgm:linClrLst meth="repeat">
       <a:schemeClr val="accent2"/>
       <a:schemeClr val="accent3"/>
+      <a:schemeClr val="accent4"/>
+      <a:schemeClr val="accent5"/>
+      <a:schemeClr val="accent6"/>
     </dgm:linClrLst>
     <dgm:effectClrLst/>
     <dgm:txLinClrLst/>
@@ -1475,9 +1538,12 @@
     <dgm:fillClrLst meth="repeat">
       <a:schemeClr val="lt1"/>
     </dgm:fillClrLst>
-    <dgm:linClrLst>
+    <dgm:linClrLst meth="repeat">
       <a:schemeClr val="accent2"/>
       <a:schemeClr val="accent3"/>
+      <a:schemeClr val="accent4"/>
+      <a:schemeClr val="accent5"/>
+      <a:schemeClr val="accent6"/>
     </dgm:linClrLst>
     <dgm:effectClrLst/>
     <dgm:txLinClrLst/>
@@ -1487,7 +1553,7 @@
     <dgm:txEffectClrLst/>
   </dgm:styleLbl>
   <dgm:styleLbl name="fgAccFollowNode1">
-    <dgm:fillClrLst>
+    <dgm:fillClrLst meth="repeat">
       <a:schemeClr val="accent2">
         <a:tint val="40000"/>
         <a:alpha val="90000"/>
@@ -1496,8 +1562,20 @@
         <a:tint val="40000"/>
         <a:alpha val="90000"/>
       </a:schemeClr>
-    </dgm:fillClrLst>
-    <dgm:linClrLst>
+      <a:schemeClr val="accent4">
+        <a:tint val="40000"/>
+        <a:alpha val="90000"/>
+      </a:schemeClr>
+      <a:schemeClr val="accent5">
+        <a:tint val="40000"/>
+        <a:alpha val="90000"/>
+      </a:schemeClr>
+      <a:schemeClr val="accent6">
+        <a:tint val="40000"/>
+        <a:alpha val="90000"/>
+      </a:schemeClr>
+    </dgm:fillClrLst>
+    <dgm:linClrLst meth="repeat">
       <a:schemeClr val="accent2">
         <a:tint val="40000"/>
         <a:alpha val="90000"/>
@@ -1506,6 +1584,18 @@
         <a:tint val="40000"/>
         <a:alpha val="90000"/>
       </a:schemeClr>
+      <a:schemeClr val="accent4">
+        <a:tint val="40000"/>
+        <a:alpha val="90000"/>
+      </a:schemeClr>
+      <a:schemeClr val="accent5">
+        <a:tint val="40000"/>
+        <a:alpha val="90000"/>
+      </a:schemeClr>
+      <a:schemeClr val="accent6">
+        <a:tint val="40000"/>
+        <a:alpha val="90000"/>
+      </a:schemeClr>
     </dgm:linClrLst>
     <dgm:effectClrLst/>
     <dgm:txLinClrLst/>
@@ -1515,7 +1605,7 @@
     <dgm:txEffectClrLst/>
   </dgm:styleLbl>
   <dgm:styleLbl name="alignAccFollowNode1">
-    <dgm:fillClrLst>
+    <dgm:fillClrLst meth="repeat">
       <a:schemeClr val="accent2">
         <a:tint val="40000"/>
         <a:alpha val="90000"/>
@@ -1524,8 +1614,20 @@
         <a:tint val="40000"/>
         <a:alpha val="90000"/>
       </a:schemeClr>
-    </dgm:fillClrLst>
-    <dgm:linClrLst>
+      <a:schemeClr val="accent4">
+        <a:tint val="40000"/>
+        <a:alpha val="90000"/>
+      </a:schemeClr>
+      <a:schemeClr val="accent5">
+        <a:tint val="40000"/>
+        <a:alpha val="90000"/>
+      </a:schemeClr>
+      <a:schemeClr val="accent6">
+        <a:tint val="40000"/>
+        <a:alpha val="90000"/>
+      </a:schemeClr>
+    </dgm:fillClrLst>
+    <dgm:linClrLst meth="repeat">
       <a:schemeClr val="accent2">
         <a:tint val="40000"/>
         <a:alpha val="90000"/>
@@ -1534,6 +1636,18 @@
         <a:tint val="40000"/>
         <a:alpha val="90000"/>
       </a:schemeClr>
+      <a:schemeClr val="accent4">
+        <a:tint val="40000"/>
+        <a:alpha val="90000"/>
+      </a:schemeClr>
+      <a:schemeClr val="accent5">
+        <a:tint val="40000"/>
+        <a:alpha val="90000"/>
+      </a:schemeClr>
+      <a:schemeClr val="accent6">
+        <a:tint val="40000"/>
+        <a:alpha val="90000"/>
+      </a:schemeClr>
     </dgm:linClrLst>
     <dgm:effectClrLst/>
     <dgm:txLinClrLst/>
@@ -1543,7 +1657,7 @@
     <dgm:txEffectClrLst/>
   </dgm:styleLbl>
   <dgm:styleLbl name="bgAccFollowNode1">
-    <dgm:fillClrLst>
+    <dgm:fillClrLst meth="repeat">
       <a:schemeClr val="accent2">
         <a:tint val="40000"/>
         <a:alpha val="90000"/>
@@ -1552,8 +1666,20 @@
         <a:tint val="40000"/>
         <a:alpha val="90000"/>
       </a:schemeClr>
-    </dgm:fillClrLst>
-    <dgm:linClrLst>
+      <a:schemeClr val="accent4">
+        <a:tint val="40000"/>
+        <a:alpha val="90000"/>
+      </a:schemeClr>
+      <a:schemeClr val="accent5">
+        <a:tint val="40000"/>
+        <a:alpha val="90000"/>
+      </a:schemeClr>
+      <a:schemeClr val="accent6">
+        <a:tint val="40000"/>
+        <a:alpha val="90000"/>
+      </a:schemeClr>
+    </dgm:fillClrLst>
+    <dgm:linClrLst meth="repeat">
       <a:schemeClr val="accent2">
         <a:tint val="40000"/>
         <a:alpha val="90000"/>
@@ -1562,6 +1688,18 @@
         <a:tint val="40000"/>
         <a:alpha val="90000"/>
       </a:schemeClr>
+      <a:schemeClr val="accent4">
+        <a:tint val="40000"/>
+        <a:alpha val="90000"/>
+      </a:schemeClr>
+      <a:schemeClr val="accent5">
+        <a:tint val="40000"/>
+        <a:alpha val="90000"/>
+      </a:schemeClr>
+      <a:schemeClr val="accent6">
+        <a:tint val="40000"/>
+        <a:alpha val="90000"/>
+      </a:schemeClr>
     </dgm:linClrLst>
     <dgm:effectClrLst/>
     <dgm:txLinClrLst/>
@@ -1593,7 +1731,7 @@
       </a:schemeClr>
     </dgm:fillClrLst>
     <dgm:linClrLst>
-      <a:schemeClr val="accent3"/>
+      <a:schemeClr val="accent2"/>
     </dgm:linClrLst>
     <dgm:effectClrLst/>
     <dgm:txLinClrLst/>
@@ -1609,7 +1747,7 @@
       </a:schemeClr>
     </dgm:fillClrLst>
     <dgm:linClrLst>
-      <a:schemeClr val="accent4"/>
+      <a:schemeClr val="accent3"/>
     </dgm:linClrLst>
     <dgm:effectClrLst/>
     <dgm:txLinClrLst/>
@@ -1625,7 +1763,7 @@
       </a:schemeClr>
     </dgm:fillClrLst>
     <dgm:linClrLst>
-      <a:schemeClr val="accent5"/>
+      <a:schemeClr val="accent4"/>
     </dgm:linClrLst>
     <dgm:effectClrLst/>
     <dgm:txLinClrLst/>
@@ -1668,7 +1806,7 @@
   </dgm:styleLbl>
   <dgm:styleLbl name="trBgShp">
     <dgm:fillClrLst meth="repeat">
-      <a:schemeClr val="accent2">
+      <a:schemeClr val="accent1">
         <a:tint val="50000"/>
         <a:alpha val="40000"/>
       </a:schemeClr>
@@ -6323,7 +6461,7 @@
 <dgm:dataModel xmlns:dgm="http://schemas.openxmlformats.org/drawingml/2006/diagram" xmlns:a="http://schemas.openxmlformats.org/drawingml/2006/main">
   <dgm:ptLst>
     <dgm:pt modelId="{7E15B699-AEE0-BD46-BB5B-3B6BE058372A}" type="doc">
-      <dgm:prSet loTypeId="urn:microsoft.com/office/officeart/2005/8/layout/venn1" loCatId="" qsTypeId="urn:microsoft.com/office/officeart/2005/8/quickstyle/simple1" qsCatId="simple" csTypeId="urn:microsoft.com/office/officeart/2005/8/colors/colorful2" csCatId="colorful" phldr="1"/>
+      <dgm:prSet loTypeId="urn:microsoft.com/office/officeart/2005/8/layout/venn1" loCatId="" qsTypeId="urn:microsoft.com/office/officeart/2005/8/quickstyle/simple1" qsCatId="simple" csTypeId="urn:microsoft.com/office/officeart/2005/8/colors/colorful1" csCatId="colorful" phldr="1"/>
       <dgm:spPr/>
     </dgm:pt>
     <dgm:pt modelId="{7DA2A415-FCB8-DC4F-8C5E-2B9D4FF6AD8B}">
@@ -6531,7 +6669,9 @@
     </dgm:pt>
     <dgm:pt modelId="{779AC98F-4FE0-7242-A0E4-E34FE70318DE}">
       <dgm:prSet phldrT="[文本]"/>
-      <dgm:spPr/>
+      <dgm:spPr>
+        <a:noFill/>
+      </dgm:spPr>
       <dgm:t>
         <a:bodyPr/>
         <a:lstStyle/>
@@ -6892,409 +7032,13 @@
   <dgm:whole/>
   <dgm:extLst>
     <a:ext uri="http://schemas.microsoft.com/office/drawing/2008/diagram">
-      <dsp:dataModelExt xmlns:dsp="http://schemas.microsoft.com/office/drawing/2008/diagram" relId="rId6" minVer="http://schemas.openxmlformats.org/drawingml/2006/diagram"/>
+      <dsp:dataModelExt xmlns:dsp="http://schemas.microsoft.com/office/drawing/2008/diagram" relId="rId7" minVer="http://schemas.openxmlformats.org/drawingml/2006/diagram"/>
     </a:ext>
   </dgm:extLst>
 </dgm:dataModel>
 </file>
 
 <file path=ppt/diagrams/data4.xml><?xml version="1.0" encoding="utf-8"?>
-<dgm:dataModel xmlns:dgm="http://schemas.openxmlformats.org/drawingml/2006/diagram" xmlns:a="http://schemas.openxmlformats.org/drawingml/2006/main">
-  <dgm:ptLst>
-    <dgm:pt modelId="{2F4EE9AF-08F1-9649-BFFA-7FDA050C74D2}" type="doc">
-      <dgm:prSet loTypeId="urn:microsoft.com/office/officeart/2005/8/layout/vList5" loCatId="" qsTypeId="urn:microsoft.com/office/officeart/2005/8/quickstyle/simple1" qsCatId="simple" csTypeId="urn:microsoft.com/office/officeart/2005/8/colors/colorful3" csCatId="colorful" phldr="1"/>
-      <dgm:spPr/>
-      <dgm:t>
-        <a:bodyPr/>
-        <a:lstStyle/>
-        <a:p>
-          <a:endParaRPr lang="zh-CN" altLang="en-US"/>
-        </a:p>
-      </dgm:t>
-    </dgm:pt>
-    <dgm:pt modelId="{E85967B5-0660-C143-ADC5-806109A61C8D}">
-      <dgm:prSet phldrT="[文本]"/>
-      <dgm:spPr/>
-      <dgm:t>
-        <a:bodyPr/>
-        <a:lstStyle/>
-        <a:p>
-          <a:r>
-            <a:rPr lang="zh-CN" altLang="en-US" dirty="0"/>
-            <a:t>知识库</a:t>
-          </a:r>
-        </a:p>
-      </dgm:t>
-    </dgm:pt>
-    <dgm:pt modelId="{C79A081D-17D3-B74E-A156-28E418CD151C}" type="parTrans" cxnId="{507D326F-F499-034B-A2A8-C32A33AE4735}">
-      <dgm:prSet/>
-      <dgm:spPr/>
-      <dgm:t>
-        <a:bodyPr/>
-        <a:lstStyle/>
-        <a:p>
-          <a:endParaRPr lang="zh-CN" altLang="en-US"/>
-        </a:p>
-      </dgm:t>
-    </dgm:pt>
-    <dgm:pt modelId="{A968C2F7-DF49-F249-A8AF-2248B7AC90DF}" type="sibTrans" cxnId="{507D326F-F499-034B-A2A8-C32A33AE4735}">
-      <dgm:prSet/>
-      <dgm:spPr/>
-      <dgm:t>
-        <a:bodyPr/>
-        <a:lstStyle/>
-        <a:p>
-          <a:endParaRPr lang="zh-CN" altLang="en-US"/>
-        </a:p>
-      </dgm:t>
-    </dgm:pt>
-    <dgm:pt modelId="{2271DF1B-B24C-2941-8E83-4401040DDACF}">
-      <dgm:prSet phldrT="[文本]" custT="1"/>
-      <dgm:spPr/>
-      <dgm:t>
-        <a:bodyPr/>
-        <a:lstStyle/>
-        <a:p>
-          <a:r>
-            <a:rPr lang="zh-CN" altLang="en-US" sz="2400" dirty="0"/>
-            <a:t>难维护（松散，唯一键的维护）</a:t>
-          </a:r>
-        </a:p>
-      </dgm:t>
-    </dgm:pt>
-    <dgm:pt modelId="{43DB2928-2F28-914A-8129-0DB26545C6B2}" type="parTrans" cxnId="{6B40068F-9354-944D-B593-F1FEF92D738B}">
-      <dgm:prSet/>
-      <dgm:spPr/>
-      <dgm:t>
-        <a:bodyPr/>
-        <a:lstStyle/>
-        <a:p>
-          <a:endParaRPr lang="zh-CN" altLang="en-US"/>
-        </a:p>
-      </dgm:t>
-    </dgm:pt>
-    <dgm:pt modelId="{D8161CD9-4784-DA41-99F6-AD6EEDF0CCFE}" type="sibTrans" cxnId="{6B40068F-9354-944D-B593-F1FEF92D738B}">
-      <dgm:prSet/>
-      <dgm:spPr/>
-      <dgm:t>
-        <a:bodyPr/>
-        <a:lstStyle/>
-        <a:p>
-          <a:endParaRPr lang="zh-CN" altLang="en-US"/>
-        </a:p>
-      </dgm:t>
-    </dgm:pt>
-    <dgm:pt modelId="{C7150F76-EE71-504B-9075-75F472A5AA41}">
-      <dgm:prSet phldrT="[文本]" custT="1"/>
-      <dgm:spPr/>
-      <dgm:t>
-        <a:bodyPr/>
-        <a:lstStyle/>
-        <a:p>
-          <a:r>
-            <a:rPr lang="zh-CN" altLang="en-US" sz="2400" dirty="0"/>
-            <a:t>重复实现业务逻辑</a:t>
-          </a:r>
-        </a:p>
-      </dgm:t>
-    </dgm:pt>
-    <dgm:pt modelId="{7A1D9066-8268-C24E-B1B7-29B8203F2B2C}" type="parTrans" cxnId="{0D98E0C6-DAE4-DF4F-A6B3-C1CEDEE22D5D}">
-      <dgm:prSet/>
-      <dgm:spPr/>
-      <dgm:t>
-        <a:bodyPr/>
-        <a:lstStyle/>
-        <a:p>
-          <a:endParaRPr lang="zh-CN" altLang="en-US"/>
-        </a:p>
-      </dgm:t>
-    </dgm:pt>
-    <dgm:pt modelId="{43AA1A36-F6C8-144C-8A67-8EA029C1CAF9}" type="sibTrans" cxnId="{0D98E0C6-DAE4-DF4F-A6B3-C1CEDEE22D5D}">
-      <dgm:prSet/>
-      <dgm:spPr/>
-      <dgm:t>
-        <a:bodyPr/>
-        <a:lstStyle/>
-        <a:p>
-          <a:endParaRPr lang="zh-CN" altLang="en-US"/>
-        </a:p>
-      </dgm:t>
-    </dgm:pt>
-    <dgm:pt modelId="{B9FBB560-9273-754C-BA2F-54289A4F5E6B}">
-      <dgm:prSet phldrT="[文本]"/>
-      <dgm:spPr/>
-      <dgm:t>
-        <a:bodyPr/>
-        <a:lstStyle/>
-        <a:p>
-          <a:r>
-            <a:rPr lang="en-US" altLang="zh-CN" dirty="0"/>
-            <a:t>Agents</a:t>
-          </a:r>
-          <a:endParaRPr lang="zh-CN" altLang="en-US" dirty="0"/>
-        </a:p>
-      </dgm:t>
-    </dgm:pt>
-    <dgm:pt modelId="{F859A333-EDF3-0643-8F04-27418242E273}" type="parTrans" cxnId="{3DDBEBEC-5484-5B4F-A648-5760B20F4F2E}">
-      <dgm:prSet/>
-      <dgm:spPr/>
-      <dgm:t>
-        <a:bodyPr/>
-        <a:lstStyle/>
-        <a:p>
-          <a:endParaRPr lang="zh-CN" altLang="en-US"/>
-        </a:p>
-      </dgm:t>
-    </dgm:pt>
-    <dgm:pt modelId="{4A0BCED6-6704-8945-8DA9-66EDE9F5851E}" type="sibTrans" cxnId="{3DDBEBEC-5484-5B4F-A648-5760B20F4F2E}">
-      <dgm:prSet/>
-      <dgm:spPr/>
-      <dgm:t>
-        <a:bodyPr/>
-        <a:lstStyle/>
-        <a:p>
-          <a:endParaRPr lang="zh-CN" altLang="en-US"/>
-        </a:p>
-      </dgm:t>
-    </dgm:pt>
-    <dgm:pt modelId="{AE0EDFD6-E54E-B844-A6EB-52AF2962F387}">
-      <dgm:prSet custT="1"/>
-      <dgm:spPr/>
-      <dgm:t>
-        <a:bodyPr/>
-        <a:lstStyle/>
-        <a:p>
-          <a:r>
-            <a:rPr lang="zh-CN" altLang="en-US" sz="2400" dirty="0"/>
-            <a:t>易维护（现有服务管理体系）</a:t>
-          </a:r>
-        </a:p>
-      </dgm:t>
-    </dgm:pt>
-    <dgm:pt modelId="{BC421B88-4693-DC46-93BA-0916C1EFB3B9}" type="parTrans" cxnId="{2E3B3429-9645-4844-A736-50C65C2F654E}">
-      <dgm:prSet/>
-      <dgm:spPr/>
-      <dgm:t>
-        <a:bodyPr/>
-        <a:lstStyle/>
-        <a:p>
-          <a:endParaRPr lang="zh-CN" altLang="en-US"/>
-        </a:p>
-      </dgm:t>
-    </dgm:pt>
-    <dgm:pt modelId="{31A83348-9AD4-E34A-A66A-1D925B133A74}" type="sibTrans" cxnId="{2E3B3429-9645-4844-A736-50C65C2F654E}">
-      <dgm:prSet/>
-      <dgm:spPr/>
-      <dgm:t>
-        <a:bodyPr/>
-        <a:lstStyle/>
-        <a:p>
-          <a:endParaRPr lang="zh-CN" altLang="en-US"/>
-        </a:p>
-      </dgm:t>
-    </dgm:pt>
-    <dgm:pt modelId="{99FAA5DD-605B-C847-A6A2-C9E9D7DDDFA9}">
-      <dgm:prSet custT="1"/>
-      <dgm:spPr/>
-      <dgm:t>
-        <a:bodyPr/>
-        <a:lstStyle/>
-        <a:p>
-          <a:r>
-            <a:rPr lang="zh-CN" altLang="en-US" sz="2400" dirty="0"/>
-            <a:t>不重复实现业务逻辑</a:t>
-          </a:r>
-        </a:p>
-      </dgm:t>
-    </dgm:pt>
-    <dgm:pt modelId="{DADAFCCA-2A22-9F48-A1FA-1B6AF371914B}" type="parTrans" cxnId="{4946CBBB-F869-5C4E-BD59-A9CA29B2A2E4}">
-      <dgm:prSet/>
-      <dgm:spPr/>
-      <dgm:t>
-        <a:bodyPr/>
-        <a:lstStyle/>
-        <a:p>
-          <a:endParaRPr lang="zh-CN" altLang="en-US"/>
-        </a:p>
-      </dgm:t>
-    </dgm:pt>
-    <dgm:pt modelId="{2BA21085-C784-994B-B939-61116D44484A}" type="sibTrans" cxnId="{4946CBBB-F869-5C4E-BD59-A9CA29B2A2E4}">
-      <dgm:prSet/>
-      <dgm:spPr/>
-      <dgm:t>
-        <a:bodyPr/>
-        <a:lstStyle/>
-        <a:p>
-          <a:endParaRPr lang="zh-CN" altLang="en-US"/>
-        </a:p>
-      </dgm:t>
-    </dgm:pt>
-    <dgm:pt modelId="{9D6BFD5C-119A-184B-B93F-5EBEF781E054}">
-      <dgm:prSet phldrT="[文本]" custT="1"/>
-      <dgm:spPr/>
-      <dgm:t>
-        <a:bodyPr/>
-        <a:lstStyle/>
-        <a:p>
-          <a:r>
-            <a:rPr lang="zh-CN" altLang="en-US" sz="2400" dirty="0"/>
-            <a:t>准确性由搜索能力决定</a:t>
-          </a:r>
-        </a:p>
-      </dgm:t>
-    </dgm:pt>
-    <dgm:pt modelId="{BBF31EF9-4245-CA4E-A43B-4BF63656A41E}" type="parTrans" cxnId="{55A51477-8005-9D4C-BF83-FEDD1B97843F}">
-      <dgm:prSet/>
-      <dgm:spPr/>
-      <dgm:t>
-        <a:bodyPr/>
-        <a:lstStyle/>
-        <a:p>
-          <a:endParaRPr lang="zh-CN" altLang="en-US"/>
-        </a:p>
-      </dgm:t>
-    </dgm:pt>
-    <dgm:pt modelId="{EBAF156D-3F8A-664F-948A-7754F2061820}" type="sibTrans" cxnId="{55A51477-8005-9D4C-BF83-FEDD1B97843F}">
-      <dgm:prSet/>
-      <dgm:spPr/>
-      <dgm:t>
-        <a:bodyPr/>
-        <a:lstStyle/>
-        <a:p>
-          <a:endParaRPr lang="zh-CN" altLang="en-US"/>
-        </a:p>
-      </dgm:t>
-    </dgm:pt>
-    <dgm:pt modelId="{5804DC1A-8496-904B-8D6F-29F0E6BAE300}">
-      <dgm:prSet custT="1"/>
-      <dgm:spPr/>
-      <dgm:t>
-        <a:bodyPr/>
-        <a:lstStyle/>
-        <a:p>
-          <a:r>
-            <a:rPr lang="zh-CN" altLang="en-US" sz="2400" dirty="0"/>
-            <a:t>准确性由语义解析能力决定</a:t>
-          </a:r>
-        </a:p>
-      </dgm:t>
-    </dgm:pt>
-    <dgm:pt modelId="{1C8AFCD6-6002-4546-BD70-6467132C7DFA}" type="parTrans" cxnId="{A29FDC85-9C00-6941-A16A-3C6C896B8C20}">
-      <dgm:prSet/>
-      <dgm:spPr/>
-      <dgm:t>
-        <a:bodyPr/>
-        <a:lstStyle/>
-        <a:p>
-          <a:endParaRPr lang="zh-CN" altLang="en-US"/>
-        </a:p>
-      </dgm:t>
-    </dgm:pt>
-    <dgm:pt modelId="{F334C5A8-E255-5146-9B2C-A56B203904D8}" type="sibTrans" cxnId="{A29FDC85-9C00-6941-A16A-3C6C896B8C20}">
-      <dgm:prSet/>
-      <dgm:spPr/>
-      <dgm:t>
-        <a:bodyPr/>
-        <a:lstStyle/>
-        <a:p>
-          <a:endParaRPr lang="zh-CN" altLang="en-US"/>
-        </a:p>
-      </dgm:t>
-    </dgm:pt>
-    <dgm:pt modelId="{CB762A47-F95E-8544-83EB-F93C8B19F572}" type="pres">
-      <dgm:prSet presAssocID="{2F4EE9AF-08F1-9649-BFFA-7FDA050C74D2}" presName="Name0" presStyleCnt="0">
-        <dgm:presLayoutVars>
-          <dgm:dir/>
-          <dgm:animLvl val="lvl"/>
-          <dgm:resizeHandles val="exact"/>
-        </dgm:presLayoutVars>
-      </dgm:prSet>
-      <dgm:spPr/>
-    </dgm:pt>
-    <dgm:pt modelId="{77A3125B-CB17-0849-9133-055D079D0270}" type="pres">
-      <dgm:prSet presAssocID="{E85967B5-0660-C143-ADC5-806109A61C8D}" presName="linNode" presStyleCnt="0"/>
-      <dgm:spPr/>
-    </dgm:pt>
-    <dgm:pt modelId="{EF0A984A-1430-5A44-8E21-87FEBCC16B79}" type="pres">
-      <dgm:prSet presAssocID="{E85967B5-0660-C143-ADC5-806109A61C8D}" presName="parentText" presStyleLbl="node1" presStyleIdx="0" presStyleCnt="2">
-        <dgm:presLayoutVars>
-          <dgm:chMax val="1"/>
-          <dgm:bulletEnabled val="1"/>
-        </dgm:presLayoutVars>
-      </dgm:prSet>
-      <dgm:spPr/>
-    </dgm:pt>
-    <dgm:pt modelId="{119F009C-2B72-4E4E-80CB-DC4604E156AD}" type="pres">
-      <dgm:prSet presAssocID="{E85967B5-0660-C143-ADC5-806109A61C8D}" presName="descendantText" presStyleLbl="alignAccFollowNode1" presStyleIdx="0" presStyleCnt="2">
-        <dgm:presLayoutVars>
-          <dgm:bulletEnabled val="1"/>
-        </dgm:presLayoutVars>
-      </dgm:prSet>
-      <dgm:spPr/>
-    </dgm:pt>
-    <dgm:pt modelId="{D592D8B2-12C0-2D4C-9158-2D19D6878586}" type="pres">
-      <dgm:prSet presAssocID="{A968C2F7-DF49-F249-A8AF-2248B7AC90DF}" presName="sp" presStyleCnt="0"/>
-      <dgm:spPr/>
-    </dgm:pt>
-    <dgm:pt modelId="{4C550E1F-8AE5-8E4A-97A8-AA8D43B66289}" type="pres">
-      <dgm:prSet presAssocID="{B9FBB560-9273-754C-BA2F-54289A4F5E6B}" presName="linNode" presStyleCnt="0"/>
-      <dgm:spPr/>
-    </dgm:pt>
-    <dgm:pt modelId="{2B1F0C82-D938-E24A-A6A6-5BBB3E7F432A}" type="pres">
-      <dgm:prSet presAssocID="{B9FBB560-9273-754C-BA2F-54289A4F5E6B}" presName="parentText" presStyleLbl="node1" presStyleIdx="1" presStyleCnt="2">
-        <dgm:presLayoutVars>
-          <dgm:chMax val="1"/>
-          <dgm:bulletEnabled val="1"/>
-        </dgm:presLayoutVars>
-      </dgm:prSet>
-      <dgm:spPr/>
-    </dgm:pt>
-    <dgm:pt modelId="{A0C56B30-EAAB-6344-B074-C451ACFB8288}" type="pres">
-      <dgm:prSet presAssocID="{B9FBB560-9273-754C-BA2F-54289A4F5E6B}" presName="descendantText" presStyleLbl="alignAccFollowNode1" presStyleIdx="1" presStyleCnt="2">
-        <dgm:presLayoutVars>
-          <dgm:bulletEnabled val="1"/>
-        </dgm:presLayoutVars>
-      </dgm:prSet>
-      <dgm:spPr/>
-    </dgm:pt>
-  </dgm:ptLst>
-  <dgm:cxnLst>
-    <dgm:cxn modelId="{DD62D909-0CE3-1B4C-9F09-B3351025EA2F}" type="presOf" srcId="{2F4EE9AF-08F1-9649-BFFA-7FDA050C74D2}" destId="{CB762A47-F95E-8544-83EB-F93C8B19F572}" srcOrd="0" destOrd="0" presId="urn:microsoft.com/office/officeart/2005/8/layout/vList5"/>
-    <dgm:cxn modelId="{2E3B3429-9645-4844-A736-50C65C2F654E}" srcId="{B9FBB560-9273-754C-BA2F-54289A4F5E6B}" destId="{AE0EDFD6-E54E-B844-A6EB-52AF2962F387}" srcOrd="0" destOrd="0" parTransId="{BC421B88-4693-DC46-93BA-0916C1EFB3B9}" sibTransId="{31A83348-9AD4-E34A-A66A-1D925B133A74}"/>
-    <dgm:cxn modelId="{C09CCB58-3434-4541-B3CC-5DEE9584CB3F}" type="presOf" srcId="{AE0EDFD6-E54E-B844-A6EB-52AF2962F387}" destId="{A0C56B30-EAAB-6344-B074-C451ACFB8288}" srcOrd="0" destOrd="0" presId="urn:microsoft.com/office/officeart/2005/8/layout/vList5"/>
-    <dgm:cxn modelId="{507D326F-F499-034B-A2A8-C32A33AE4735}" srcId="{2F4EE9AF-08F1-9649-BFFA-7FDA050C74D2}" destId="{E85967B5-0660-C143-ADC5-806109A61C8D}" srcOrd="0" destOrd="0" parTransId="{C79A081D-17D3-B74E-A156-28E418CD151C}" sibTransId="{A968C2F7-DF49-F249-A8AF-2248B7AC90DF}"/>
-    <dgm:cxn modelId="{55A51477-8005-9D4C-BF83-FEDD1B97843F}" srcId="{E85967B5-0660-C143-ADC5-806109A61C8D}" destId="{9D6BFD5C-119A-184B-B93F-5EBEF781E054}" srcOrd="2" destOrd="0" parTransId="{BBF31EF9-4245-CA4E-A43B-4BF63656A41E}" sibTransId="{EBAF156D-3F8A-664F-948A-7754F2061820}"/>
-    <dgm:cxn modelId="{D3FF217C-BDDB-F14F-AF87-A373C5BA1144}" type="presOf" srcId="{2271DF1B-B24C-2941-8E83-4401040DDACF}" destId="{119F009C-2B72-4E4E-80CB-DC4604E156AD}" srcOrd="0" destOrd="0" presId="urn:microsoft.com/office/officeart/2005/8/layout/vList5"/>
-    <dgm:cxn modelId="{A29FDC85-9C00-6941-A16A-3C6C896B8C20}" srcId="{B9FBB560-9273-754C-BA2F-54289A4F5E6B}" destId="{5804DC1A-8496-904B-8D6F-29F0E6BAE300}" srcOrd="2" destOrd="0" parTransId="{1C8AFCD6-6002-4546-BD70-6467132C7DFA}" sibTransId="{F334C5A8-E255-5146-9B2C-A56B203904D8}"/>
-    <dgm:cxn modelId="{6B40068F-9354-944D-B593-F1FEF92D738B}" srcId="{E85967B5-0660-C143-ADC5-806109A61C8D}" destId="{2271DF1B-B24C-2941-8E83-4401040DDACF}" srcOrd="0" destOrd="0" parTransId="{43DB2928-2F28-914A-8129-0DB26545C6B2}" sibTransId="{D8161CD9-4784-DA41-99F6-AD6EEDF0CCFE}"/>
-    <dgm:cxn modelId="{4946CBBB-F869-5C4E-BD59-A9CA29B2A2E4}" srcId="{B9FBB560-9273-754C-BA2F-54289A4F5E6B}" destId="{99FAA5DD-605B-C847-A6A2-C9E9D7DDDFA9}" srcOrd="1" destOrd="0" parTransId="{DADAFCCA-2A22-9F48-A1FA-1B6AF371914B}" sibTransId="{2BA21085-C784-994B-B939-61116D44484A}"/>
-    <dgm:cxn modelId="{3B50E5C0-257C-2245-B686-DA3731A091C1}" type="presOf" srcId="{99FAA5DD-605B-C847-A6A2-C9E9D7DDDFA9}" destId="{A0C56B30-EAAB-6344-B074-C451ACFB8288}" srcOrd="0" destOrd="1" presId="urn:microsoft.com/office/officeart/2005/8/layout/vList5"/>
-    <dgm:cxn modelId="{0D98E0C6-DAE4-DF4F-A6B3-C1CEDEE22D5D}" srcId="{E85967B5-0660-C143-ADC5-806109A61C8D}" destId="{C7150F76-EE71-504B-9075-75F472A5AA41}" srcOrd="1" destOrd="0" parTransId="{7A1D9066-8268-C24E-B1B7-29B8203F2B2C}" sibTransId="{43AA1A36-F6C8-144C-8A67-8EA029C1CAF9}"/>
-    <dgm:cxn modelId="{A71660CB-F0BE-5341-80B1-EC54262DBE0A}" type="presOf" srcId="{5804DC1A-8496-904B-8D6F-29F0E6BAE300}" destId="{A0C56B30-EAAB-6344-B074-C451ACFB8288}" srcOrd="0" destOrd="2" presId="urn:microsoft.com/office/officeart/2005/8/layout/vList5"/>
-    <dgm:cxn modelId="{4548AFE5-99AE-1D4D-B60B-04F3AB55BA61}" type="presOf" srcId="{C7150F76-EE71-504B-9075-75F472A5AA41}" destId="{119F009C-2B72-4E4E-80CB-DC4604E156AD}" srcOrd="0" destOrd="1" presId="urn:microsoft.com/office/officeart/2005/8/layout/vList5"/>
-    <dgm:cxn modelId="{30DE9CE6-727E-E641-AD90-3F5A529AD6EC}" type="presOf" srcId="{9D6BFD5C-119A-184B-B93F-5EBEF781E054}" destId="{119F009C-2B72-4E4E-80CB-DC4604E156AD}" srcOrd="0" destOrd="2" presId="urn:microsoft.com/office/officeart/2005/8/layout/vList5"/>
-    <dgm:cxn modelId="{3DDBEBEC-5484-5B4F-A648-5760B20F4F2E}" srcId="{2F4EE9AF-08F1-9649-BFFA-7FDA050C74D2}" destId="{B9FBB560-9273-754C-BA2F-54289A4F5E6B}" srcOrd="1" destOrd="0" parTransId="{F859A333-EDF3-0643-8F04-27418242E273}" sibTransId="{4A0BCED6-6704-8945-8DA9-66EDE9F5851E}"/>
-    <dgm:cxn modelId="{DDC989F5-09CF-7C43-8BBE-7C46BFA42083}" type="presOf" srcId="{B9FBB560-9273-754C-BA2F-54289A4F5E6B}" destId="{2B1F0C82-D938-E24A-A6A6-5BBB3E7F432A}" srcOrd="0" destOrd="0" presId="urn:microsoft.com/office/officeart/2005/8/layout/vList5"/>
-    <dgm:cxn modelId="{2DC735F6-5157-3A4F-940D-385C4425BE12}" type="presOf" srcId="{E85967B5-0660-C143-ADC5-806109A61C8D}" destId="{EF0A984A-1430-5A44-8E21-87FEBCC16B79}" srcOrd="0" destOrd="0" presId="urn:microsoft.com/office/officeart/2005/8/layout/vList5"/>
-    <dgm:cxn modelId="{66663465-1E72-9C47-9EAA-DE31C6F4477C}" type="presParOf" srcId="{CB762A47-F95E-8544-83EB-F93C8B19F572}" destId="{77A3125B-CB17-0849-9133-055D079D0270}" srcOrd="0" destOrd="0" presId="urn:microsoft.com/office/officeart/2005/8/layout/vList5"/>
-    <dgm:cxn modelId="{70F07D84-5492-A04F-A14B-9A4C54054398}" type="presParOf" srcId="{77A3125B-CB17-0849-9133-055D079D0270}" destId="{EF0A984A-1430-5A44-8E21-87FEBCC16B79}" srcOrd="0" destOrd="0" presId="urn:microsoft.com/office/officeart/2005/8/layout/vList5"/>
-    <dgm:cxn modelId="{C6F68151-81C9-6F45-871B-DF1713624A28}" type="presParOf" srcId="{77A3125B-CB17-0849-9133-055D079D0270}" destId="{119F009C-2B72-4E4E-80CB-DC4604E156AD}" srcOrd="1" destOrd="0" presId="urn:microsoft.com/office/officeart/2005/8/layout/vList5"/>
-    <dgm:cxn modelId="{44F502B6-CEA2-B444-B3E4-1C92BD327BCB}" type="presParOf" srcId="{CB762A47-F95E-8544-83EB-F93C8B19F572}" destId="{D592D8B2-12C0-2D4C-9158-2D19D6878586}" srcOrd="1" destOrd="0" presId="urn:microsoft.com/office/officeart/2005/8/layout/vList5"/>
-    <dgm:cxn modelId="{F7F0F9E2-7704-6B4F-B94B-9A2B07EE8493}" type="presParOf" srcId="{CB762A47-F95E-8544-83EB-F93C8B19F572}" destId="{4C550E1F-8AE5-8E4A-97A8-AA8D43B66289}" srcOrd="2" destOrd="0" presId="urn:microsoft.com/office/officeart/2005/8/layout/vList5"/>
-    <dgm:cxn modelId="{3C82A36B-AADF-0940-8858-8A60DC17465E}" type="presParOf" srcId="{4C550E1F-8AE5-8E4A-97A8-AA8D43B66289}" destId="{2B1F0C82-D938-E24A-A6A6-5BBB3E7F432A}" srcOrd="0" destOrd="0" presId="urn:microsoft.com/office/officeart/2005/8/layout/vList5"/>
-    <dgm:cxn modelId="{743ACE52-8227-9E4A-8597-9B9F82004433}" type="presParOf" srcId="{4C550E1F-8AE5-8E4A-97A8-AA8D43B66289}" destId="{A0C56B30-EAAB-6344-B074-C451ACFB8288}" srcOrd="1" destOrd="0" presId="urn:microsoft.com/office/officeart/2005/8/layout/vList5"/>
-  </dgm:cxnLst>
-  <dgm:bg/>
-  <dgm:whole/>
-  <dgm:extLst>
-    <a:ext uri="http://schemas.microsoft.com/office/drawing/2008/diagram">
-      <dsp:dataModelExt xmlns:dsp="http://schemas.microsoft.com/office/drawing/2008/diagram" relId="rId6" minVer="http://schemas.openxmlformats.org/drawingml/2006/diagram"/>
-    </a:ext>
-  </dgm:extLst>
-</dgm:dataModel>
-</file>
-
-<file path=ppt/diagrams/data5.xml><?xml version="1.0" encoding="utf-8"?>
 <dgm:dataModel xmlns:dgm="http://schemas.openxmlformats.org/drawingml/2006/diagram" xmlns:a="http://schemas.openxmlformats.org/drawingml/2006/main">
   <dgm:ptLst>
     <dgm:pt modelId="{F872C8A3-CE8F-3144-9FFF-FF398E10F2B4}" type="doc">
@@ -7590,50 +7334,6 @@
         </a:p>
       </dgm:t>
     </dgm:pt>
-    <dgm:pt modelId="{619192A7-1C58-0345-8D50-52F5E7CE64CE}">
-      <dgm:prSet phldrT="[文本]"/>
-      <dgm:spPr/>
-      <dgm:t>
-        <a:bodyPr/>
-        <a:lstStyle/>
-        <a:p>
-          <a:r>
-            <a:rPr lang="zh-CN" altLang="en-US" dirty="0"/>
-            <a:t>要求模型语义分析能力强 </a:t>
-          </a:r>
-          <a:r>
-            <a:rPr lang="en-US" altLang="zh-CN" dirty="0"/>
-            <a:t>+</a:t>
-          </a:r>
-          <a:r>
-            <a:rPr lang="zh-CN" altLang="en-US" dirty="0"/>
-            <a:t> 高效图算法</a:t>
-          </a:r>
-        </a:p>
-      </dgm:t>
-    </dgm:pt>
-    <dgm:pt modelId="{5BD427DD-67E8-A841-AD52-48C4ADDA75A7}" type="parTrans" cxnId="{8FC0621F-183A-B845-8647-B7BD51F385FF}">
-      <dgm:prSet/>
-      <dgm:spPr/>
-      <dgm:t>
-        <a:bodyPr/>
-        <a:lstStyle/>
-        <a:p>
-          <a:endParaRPr lang="zh-CN" altLang="en-US"/>
-        </a:p>
-      </dgm:t>
-    </dgm:pt>
-    <dgm:pt modelId="{A314DDD5-0327-674C-9C0E-A9C940A0E0E3}" type="sibTrans" cxnId="{8FC0621F-183A-B845-8647-B7BD51F385FF}">
-      <dgm:prSet/>
-      <dgm:spPr/>
-      <dgm:t>
-        <a:bodyPr/>
-        <a:lstStyle/>
-        <a:p>
-          <a:endParaRPr lang="zh-CN" altLang="en-US"/>
-        </a:p>
-      </dgm:t>
-    </dgm:pt>
     <dgm:pt modelId="{383BC9AF-3A62-6444-BA50-A5B31C8E76B6}">
       <dgm:prSet phldrT="[文本]"/>
       <dgm:spPr/>
@@ -7834,8 +7534,6 @@
   </dgm:ptLst>
   <dgm:cxnLst>
     <dgm:cxn modelId="{4E707C01-3870-E242-B1A4-55136D1B8703}" type="presOf" srcId="{03B13E66-ED54-5942-827C-A8A781608D4F}" destId="{6C625909-F8E4-C24E-901E-AA511F8F9CD1}" srcOrd="0" destOrd="0" presId="urn:microsoft.com/office/officeart/2005/8/layout/vList5"/>
-    <dgm:cxn modelId="{8FC0621F-183A-B845-8647-B7BD51F385FF}" srcId="{EF14A34E-DE57-1D46-8CAC-239BC96DA3BF}" destId="{619192A7-1C58-0345-8D50-52F5E7CE64CE}" srcOrd="2" destOrd="0" parTransId="{5BD427DD-67E8-A841-AD52-48C4ADDA75A7}" sibTransId="{A314DDD5-0327-674C-9C0E-A9C940A0E0E3}"/>
-    <dgm:cxn modelId="{7493FF2F-7C24-3A48-8266-FF3D20E72E7C}" type="presOf" srcId="{619192A7-1C58-0345-8D50-52F5E7CE64CE}" destId="{01B8E3E1-089D-AB4E-A20E-9DA371D83A5E}" srcOrd="0" destOrd="2" presId="urn:microsoft.com/office/officeart/2005/8/layout/vList5"/>
     <dgm:cxn modelId="{42044F30-CD44-CD42-BE6B-DBCB247BA492}" type="presOf" srcId="{4A9FE41F-43C3-7749-8019-4124E335737C}" destId="{6F48E9DD-5433-C143-8DBA-943754E8C815}" srcOrd="0" destOrd="0" presId="urn:microsoft.com/office/officeart/2005/8/layout/vList5"/>
     <dgm:cxn modelId="{8A855F33-4EB4-EF45-AB32-D2EDC1528B2D}" type="presOf" srcId="{7FBA16C2-9469-354F-A8B8-1E5EFE1B48AA}" destId="{2B22E4B3-6CC7-BA48-85CF-5E63C049E1F4}" srcOrd="0" destOrd="1" presId="urn:microsoft.com/office/officeart/2005/8/layout/vList5"/>
     <dgm:cxn modelId="{D872D339-035C-C442-8496-6C58B0528E7C}" type="presOf" srcId="{138BA447-AE58-D949-8C31-1787585B7F15}" destId="{6F48E9DD-5433-C143-8DBA-943754E8C815}" srcOrd="0" destOrd="1" presId="urn:microsoft.com/office/officeart/2005/8/layout/vList5"/>
@@ -7878,7 +7576,7 @@
 </dgm:dataModel>
 </file>
 
-<file path=ppt/diagrams/data6.xml><?xml version="1.0" encoding="utf-8"?>
+<file path=ppt/diagrams/data5.xml><?xml version="1.0" encoding="utf-8"?>
 <dgm:dataModel xmlns:dgm="http://schemas.openxmlformats.org/drawingml/2006/diagram" xmlns:a="http://schemas.openxmlformats.org/drawingml/2006/main">
   <dgm:ptLst>
     <dgm:pt modelId="{C653EC97-FAEA-D140-9A73-4CFC3BCCD331}" type="doc">
@@ -8273,7 +7971,7 @@
 </dgm:dataModel>
 </file>
 
-<file path=ppt/diagrams/data7.xml><?xml version="1.0" encoding="utf-8"?>
+<file path=ppt/diagrams/data6.xml><?xml version="1.0" encoding="utf-8"?>
 <dgm:dataModel xmlns:dgm="http://schemas.openxmlformats.org/drawingml/2006/diagram" xmlns:a="http://schemas.openxmlformats.org/drawingml/2006/main">
   <dgm:ptLst>
     <dgm:pt modelId="{3191F4A2-C20F-6749-8F81-17569B1DC2ED}" type="doc">
@@ -8480,7 +8178,15 @@
           </a:r>
           <a:r>
             <a:rPr lang="zh-CN" altLang="en-US" dirty="0"/>
-            <a:t> 与 </a:t>
+            <a:t> </a:t>
+          </a:r>
+          <a:r>
+            <a:rPr lang="en-US" altLang="zh-CN" dirty="0"/>
+            <a:t>&amp;</a:t>
+          </a:r>
+          <a:r>
+            <a:rPr lang="zh-CN" altLang="en-US" dirty="0"/>
+            <a:t> </a:t>
           </a:r>
           <a:r>
             <a:rPr lang="en-US" altLang="zh-CN" dirty="0"/>
@@ -8714,6 +8420,402 @@
     <dgm:cxn modelId="{07DA84CD-3DF9-1442-9CE7-D994C5A8FAF0}" type="presParOf" srcId="{A85842D9-99C2-B641-8625-6C1A9E7C4CF8}" destId="{80FE9D4B-A6DD-C949-874F-8DAD5D003504}" srcOrd="2" destOrd="0" presId="urn:microsoft.com/office/officeart/2005/8/layout/vList5"/>
     <dgm:cxn modelId="{160E840F-C79D-5248-B5CA-F685630FD2E1}" type="presParOf" srcId="{80FE9D4B-A6DD-C949-874F-8DAD5D003504}" destId="{6AD588D4-9FBA-C34F-88DE-6FBC85166147}" srcOrd="0" destOrd="0" presId="urn:microsoft.com/office/officeart/2005/8/layout/vList5"/>
     <dgm:cxn modelId="{3841E153-5E28-DC43-9912-07B8C4A891F1}" type="presParOf" srcId="{80FE9D4B-A6DD-C949-874F-8DAD5D003504}" destId="{0DE58AA6-B00E-8948-A852-E9703FCBB962}" srcOrd="1" destOrd="0" presId="urn:microsoft.com/office/officeart/2005/8/layout/vList5"/>
+  </dgm:cxnLst>
+  <dgm:bg/>
+  <dgm:whole/>
+  <dgm:extLst>
+    <a:ext uri="http://schemas.microsoft.com/office/drawing/2008/diagram">
+      <dsp:dataModelExt xmlns:dsp="http://schemas.microsoft.com/office/drawing/2008/diagram" relId="rId6" minVer="http://schemas.openxmlformats.org/drawingml/2006/diagram"/>
+    </a:ext>
+  </dgm:extLst>
+</dgm:dataModel>
+</file>
+
+<file path=ppt/diagrams/data7.xml><?xml version="1.0" encoding="utf-8"?>
+<dgm:dataModel xmlns:dgm="http://schemas.openxmlformats.org/drawingml/2006/diagram" xmlns:a="http://schemas.openxmlformats.org/drawingml/2006/main">
+  <dgm:ptLst>
+    <dgm:pt modelId="{2F4EE9AF-08F1-9649-BFFA-7FDA050C74D2}" type="doc">
+      <dgm:prSet loTypeId="urn:microsoft.com/office/officeart/2005/8/layout/vList5" loCatId="" qsTypeId="urn:microsoft.com/office/officeart/2005/8/quickstyle/simple1" qsCatId="simple" csTypeId="urn:microsoft.com/office/officeart/2005/8/colors/colorful3" csCatId="colorful" phldr="1"/>
+      <dgm:spPr/>
+      <dgm:t>
+        <a:bodyPr/>
+        <a:lstStyle/>
+        <a:p>
+          <a:endParaRPr lang="zh-CN" altLang="en-US"/>
+        </a:p>
+      </dgm:t>
+    </dgm:pt>
+    <dgm:pt modelId="{E85967B5-0660-C143-ADC5-806109A61C8D}">
+      <dgm:prSet phldrT="[文本]"/>
+      <dgm:spPr/>
+      <dgm:t>
+        <a:bodyPr/>
+        <a:lstStyle/>
+        <a:p>
+          <a:r>
+            <a:rPr lang="zh-CN" altLang="en-US" dirty="0"/>
+            <a:t>知识库</a:t>
+          </a:r>
+        </a:p>
+      </dgm:t>
+    </dgm:pt>
+    <dgm:pt modelId="{C79A081D-17D3-B74E-A156-28E418CD151C}" type="parTrans" cxnId="{507D326F-F499-034B-A2A8-C32A33AE4735}">
+      <dgm:prSet/>
+      <dgm:spPr/>
+      <dgm:t>
+        <a:bodyPr/>
+        <a:lstStyle/>
+        <a:p>
+          <a:endParaRPr lang="zh-CN" altLang="en-US"/>
+        </a:p>
+      </dgm:t>
+    </dgm:pt>
+    <dgm:pt modelId="{A968C2F7-DF49-F249-A8AF-2248B7AC90DF}" type="sibTrans" cxnId="{507D326F-F499-034B-A2A8-C32A33AE4735}">
+      <dgm:prSet/>
+      <dgm:spPr/>
+      <dgm:t>
+        <a:bodyPr/>
+        <a:lstStyle/>
+        <a:p>
+          <a:endParaRPr lang="zh-CN" altLang="en-US"/>
+        </a:p>
+      </dgm:t>
+    </dgm:pt>
+    <dgm:pt modelId="{2271DF1B-B24C-2941-8E83-4401040DDACF}">
+      <dgm:prSet phldrT="[文本]" custT="1"/>
+      <dgm:spPr/>
+      <dgm:t>
+        <a:bodyPr/>
+        <a:lstStyle/>
+        <a:p>
+          <a:r>
+            <a:rPr lang="zh-CN" altLang="en-US" sz="2400" dirty="0"/>
+            <a:t>难维护（松散，唯一键的维护）</a:t>
+          </a:r>
+        </a:p>
+      </dgm:t>
+    </dgm:pt>
+    <dgm:pt modelId="{43DB2928-2F28-914A-8129-0DB26545C6B2}" type="parTrans" cxnId="{6B40068F-9354-944D-B593-F1FEF92D738B}">
+      <dgm:prSet/>
+      <dgm:spPr/>
+      <dgm:t>
+        <a:bodyPr/>
+        <a:lstStyle/>
+        <a:p>
+          <a:endParaRPr lang="zh-CN" altLang="en-US"/>
+        </a:p>
+      </dgm:t>
+    </dgm:pt>
+    <dgm:pt modelId="{D8161CD9-4784-DA41-99F6-AD6EEDF0CCFE}" type="sibTrans" cxnId="{6B40068F-9354-944D-B593-F1FEF92D738B}">
+      <dgm:prSet/>
+      <dgm:spPr/>
+      <dgm:t>
+        <a:bodyPr/>
+        <a:lstStyle/>
+        <a:p>
+          <a:endParaRPr lang="zh-CN" altLang="en-US"/>
+        </a:p>
+      </dgm:t>
+    </dgm:pt>
+    <dgm:pt modelId="{C7150F76-EE71-504B-9075-75F472A5AA41}">
+      <dgm:prSet phldrT="[文本]" custT="1"/>
+      <dgm:spPr/>
+      <dgm:t>
+        <a:bodyPr/>
+        <a:lstStyle/>
+        <a:p>
+          <a:r>
+            <a:rPr lang="zh-CN" altLang="en-US" sz="2400" dirty="0"/>
+            <a:t>重复实现业务逻辑</a:t>
+          </a:r>
+        </a:p>
+      </dgm:t>
+    </dgm:pt>
+    <dgm:pt modelId="{7A1D9066-8268-C24E-B1B7-29B8203F2B2C}" type="parTrans" cxnId="{0D98E0C6-DAE4-DF4F-A6B3-C1CEDEE22D5D}">
+      <dgm:prSet/>
+      <dgm:spPr/>
+      <dgm:t>
+        <a:bodyPr/>
+        <a:lstStyle/>
+        <a:p>
+          <a:endParaRPr lang="zh-CN" altLang="en-US"/>
+        </a:p>
+      </dgm:t>
+    </dgm:pt>
+    <dgm:pt modelId="{43AA1A36-F6C8-144C-8A67-8EA029C1CAF9}" type="sibTrans" cxnId="{0D98E0C6-DAE4-DF4F-A6B3-C1CEDEE22D5D}">
+      <dgm:prSet/>
+      <dgm:spPr/>
+      <dgm:t>
+        <a:bodyPr/>
+        <a:lstStyle/>
+        <a:p>
+          <a:endParaRPr lang="zh-CN" altLang="en-US"/>
+        </a:p>
+      </dgm:t>
+    </dgm:pt>
+    <dgm:pt modelId="{B9FBB560-9273-754C-BA2F-54289A4F5E6B}">
+      <dgm:prSet phldrT="[文本]"/>
+      <dgm:spPr/>
+      <dgm:t>
+        <a:bodyPr/>
+        <a:lstStyle/>
+        <a:p>
+          <a:r>
+            <a:rPr lang="en-US" altLang="zh-CN" dirty="0"/>
+            <a:t>Agents</a:t>
+          </a:r>
+          <a:endParaRPr lang="zh-CN" altLang="en-US" dirty="0"/>
+        </a:p>
+      </dgm:t>
+    </dgm:pt>
+    <dgm:pt modelId="{F859A333-EDF3-0643-8F04-27418242E273}" type="parTrans" cxnId="{3DDBEBEC-5484-5B4F-A648-5760B20F4F2E}">
+      <dgm:prSet/>
+      <dgm:spPr/>
+      <dgm:t>
+        <a:bodyPr/>
+        <a:lstStyle/>
+        <a:p>
+          <a:endParaRPr lang="zh-CN" altLang="en-US"/>
+        </a:p>
+      </dgm:t>
+    </dgm:pt>
+    <dgm:pt modelId="{4A0BCED6-6704-8945-8DA9-66EDE9F5851E}" type="sibTrans" cxnId="{3DDBEBEC-5484-5B4F-A648-5760B20F4F2E}">
+      <dgm:prSet/>
+      <dgm:spPr/>
+      <dgm:t>
+        <a:bodyPr/>
+        <a:lstStyle/>
+        <a:p>
+          <a:endParaRPr lang="zh-CN" altLang="en-US"/>
+        </a:p>
+      </dgm:t>
+    </dgm:pt>
+    <dgm:pt modelId="{AE0EDFD6-E54E-B844-A6EB-52AF2962F387}">
+      <dgm:prSet custT="1"/>
+      <dgm:spPr/>
+      <dgm:t>
+        <a:bodyPr/>
+        <a:lstStyle/>
+        <a:p>
+          <a:r>
+            <a:rPr lang="zh-CN" altLang="en-US" sz="2400" dirty="0"/>
+            <a:t>易维护（现有服务管理体系）</a:t>
+          </a:r>
+        </a:p>
+      </dgm:t>
+    </dgm:pt>
+    <dgm:pt modelId="{BC421B88-4693-DC46-93BA-0916C1EFB3B9}" type="parTrans" cxnId="{2E3B3429-9645-4844-A736-50C65C2F654E}">
+      <dgm:prSet/>
+      <dgm:spPr/>
+      <dgm:t>
+        <a:bodyPr/>
+        <a:lstStyle/>
+        <a:p>
+          <a:endParaRPr lang="zh-CN" altLang="en-US"/>
+        </a:p>
+      </dgm:t>
+    </dgm:pt>
+    <dgm:pt modelId="{31A83348-9AD4-E34A-A66A-1D925B133A74}" type="sibTrans" cxnId="{2E3B3429-9645-4844-A736-50C65C2F654E}">
+      <dgm:prSet/>
+      <dgm:spPr/>
+      <dgm:t>
+        <a:bodyPr/>
+        <a:lstStyle/>
+        <a:p>
+          <a:endParaRPr lang="zh-CN" altLang="en-US"/>
+        </a:p>
+      </dgm:t>
+    </dgm:pt>
+    <dgm:pt modelId="{99FAA5DD-605B-C847-A6A2-C9E9D7DDDFA9}">
+      <dgm:prSet custT="1"/>
+      <dgm:spPr/>
+      <dgm:t>
+        <a:bodyPr/>
+        <a:lstStyle/>
+        <a:p>
+          <a:r>
+            <a:rPr lang="zh-CN" altLang="en-US" sz="2400" dirty="0"/>
+            <a:t>不重复实现业务逻辑</a:t>
+          </a:r>
+        </a:p>
+      </dgm:t>
+    </dgm:pt>
+    <dgm:pt modelId="{DADAFCCA-2A22-9F48-A1FA-1B6AF371914B}" type="parTrans" cxnId="{4946CBBB-F869-5C4E-BD59-A9CA29B2A2E4}">
+      <dgm:prSet/>
+      <dgm:spPr/>
+      <dgm:t>
+        <a:bodyPr/>
+        <a:lstStyle/>
+        <a:p>
+          <a:endParaRPr lang="zh-CN" altLang="en-US"/>
+        </a:p>
+      </dgm:t>
+    </dgm:pt>
+    <dgm:pt modelId="{2BA21085-C784-994B-B939-61116D44484A}" type="sibTrans" cxnId="{4946CBBB-F869-5C4E-BD59-A9CA29B2A2E4}">
+      <dgm:prSet/>
+      <dgm:spPr/>
+      <dgm:t>
+        <a:bodyPr/>
+        <a:lstStyle/>
+        <a:p>
+          <a:endParaRPr lang="zh-CN" altLang="en-US"/>
+        </a:p>
+      </dgm:t>
+    </dgm:pt>
+    <dgm:pt modelId="{9D6BFD5C-119A-184B-B93F-5EBEF781E054}">
+      <dgm:prSet phldrT="[文本]" custT="1"/>
+      <dgm:spPr/>
+      <dgm:t>
+        <a:bodyPr/>
+        <a:lstStyle/>
+        <a:p>
+          <a:r>
+            <a:rPr lang="zh-CN" altLang="en-US" sz="2400" dirty="0"/>
+            <a:t>准确性由搜索能力决定</a:t>
+          </a:r>
+        </a:p>
+      </dgm:t>
+    </dgm:pt>
+    <dgm:pt modelId="{BBF31EF9-4245-CA4E-A43B-4BF63656A41E}" type="parTrans" cxnId="{55A51477-8005-9D4C-BF83-FEDD1B97843F}">
+      <dgm:prSet/>
+      <dgm:spPr/>
+      <dgm:t>
+        <a:bodyPr/>
+        <a:lstStyle/>
+        <a:p>
+          <a:endParaRPr lang="zh-CN" altLang="en-US"/>
+        </a:p>
+      </dgm:t>
+    </dgm:pt>
+    <dgm:pt modelId="{EBAF156D-3F8A-664F-948A-7754F2061820}" type="sibTrans" cxnId="{55A51477-8005-9D4C-BF83-FEDD1B97843F}">
+      <dgm:prSet/>
+      <dgm:spPr/>
+      <dgm:t>
+        <a:bodyPr/>
+        <a:lstStyle/>
+        <a:p>
+          <a:endParaRPr lang="zh-CN" altLang="en-US"/>
+        </a:p>
+      </dgm:t>
+    </dgm:pt>
+    <dgm:pt modelId="{5804DC1A-8496-904B-8D6F-29F0E6BAE300}">
+      <dgm:prSet custT="1"/>
+      <dgm:spPr/>
+      <dgm:t>
+        <a:bodyPr/>
+        <a:lstStyle/>
+        <a:p>
+          <a:r>
+            <a:rPr lang="zh-CN" altLang="en-US" sz="2400" dirty="0"/>
+            <a:t>准确性由语义解析能力决定</a:t>
+          </a:r>
+        </a:p>
+      </dgm:t>
+    </dgm:pt>
+    <dgm:pt modelId="{1C8AFCD6-6002-4546-BD70-6467132C7DFA}" type="parTrans" cxnId="{A29FDC85-9C00-6941-A16A-3C6C896B8C20}">
+      <dgm:prSet/>
+      <dgm:spPr/>
+      <dgm:t>
+        <a:bodyPr/>
+        <a:lstStyle/>
+        <a:p>
+          <a:endParaRPr lang="zh-CN" altLang="en-US"/>
+        </a:p>
+      </dgm:t>
+    </dgm:pt>
+    <dgm:pt modelId="{F334C5A8-E255-5146-9B2C-A56B203904D8}" type="sibTrans" cxnId="{A29FDC85-9C00-6941-A16A-3C6C896B8C20}">
+      <dgm:prSet/>
+      <dgm:spPr/>
+      <dgm:t>
+        <a:bodyPr/>
+        <a:lstStyle/>
+        <a:p>
+          <a:endParaRPr lang="zh-CN" altLang="en-US"/>
+        </a:p>
+      </dgm:t>
+    </dgm:pt>
+    <dgm:pt modelId="{CB762A47-F95E-8544-83EB-F93C8B19F572}" type="pres">
+      <dgm:prSet presAssocID="{2F4EE9AF-08F1-9649-BFFA-7FDA050C74D2}" presName="Name0" presStyleCnt="0">
+        <dgm:presLayoutVars>
+          <dgm:dir/>
+          <dgm:animLvl val="lvl"/>
+          <dgm:resizeHandles val="exact"/>
+        </dgm:presLayoutVars>
+      </dgm:prSet>
+      <dgm:spPr/>
+    </dgm:pt>
+    <dgm:pt modelId="{77A3125B-CB17-0849-9133-055D079D0270}" type="pres">
+      <dgm:prSet presAssocID="{E85967B5-0660-C143-ADC5-806109A61C8D}" presName="linNode" presStyleCnt="0"/>
+      <dgm:spPr/>
+    </dgm:pt>
+    <dgm:pt modelId="{EF0A984A-1430-5A44-8E21-87FEBCC16B79}" type="pres">
+      <dgm:prSet presAssocID="{E85967B5-0660-C143-ADC5-806109A61C8D}" presName="parentText" presStyleLbl="node1" presStyleIdx="0" presStyleCnt="2">
+        <dgm:presLayoutVars>
+          <dgm:chMax val="1"/>
+          <dgm:bulletEnabled val="1"/>
+        </dgm:presLayoutVars>
+      </dgm:prSet>
+      <dgm:spPr/>
+    </dgm:pt>
+    <dgm:pt modelId="{119F009C-2B72-4E4E-80CB-DC4604E156AD}" type="pres">
+      <dgm:prSet presAssocID="{E85967B5-0660-C143-ADC5-806109A61C8D}" presName="descendantText" presStyleLbl="alignAccFollowNode1" presStyleIdx="0" presStyleCnt="2">
+        <dgm:presLayoutVars>
+          <dgm:bulletEnabled val="1"/>
+        </dgm:presLayoutVars>
+      </dgm:prSet>
+      <dgm:spPr/>
+    </dgm:pt>
+    <dgm:pt modelId="{D592D8B2-12C0-2D4C-9158-2D19D6878586}" type="pres">
+      <dgm:prSet presAssocID="{A968C2F7-DF49-F249-A8AF-2248B7AC90DF}" presName="sp" presStyleCnt="0"/>
+      <dgm:spPr/>
+    </dgm:pt>
+    <dgm:pt modelId="{4C550E1F-8AE5-8E4A-97A8-AA8D43B66289}" type="pres">
+      <dgm:prSet presAssocID="{B9FBB560-9273-754C-BA2F-54289A4F5E6B}" presName="linNode" presStyleCnt="0"/>
+      <dgm:spPr/>
+    </dgm:pt>
+    <dgm:pt modelId="{2B1F0C82-D938-E24A-A6A6-5BBB3E7F432A}" type="pres">
+      <dgm:prSet presAssocID="{B9FBB560-9273-754C-BA2F-54289A4F5E6B}" presName="parentText" presStyleLbl="node1" presStyleIdx="1" presStyleCnt="2">
+        <dgm:presLayoutVars>
+          <dgm:chMax val="1"/>
+          <dgm:bulletEnabled val="1"/>
+        </dgm:presLayoutVars>
+      </dgm:prSet>
+      <dgm:spPr/>
+    </dgm:pt>
+    <dgm:pt modelId="{A0C56B30-EAAB-6344-B074-C451ACFB8288}" type="pres">
+      <dgm:prSet presAssocID="{B9FBB560-9273-754C-BA2F-54289A4F5E6B}" presName="descendantText" presStyleLbl="alignAccFollowNode1" presStyleIdx="1" presStyleCnt="2">
+        <dgm:presLayoutVars>
+          <dgm:bulletEnabled val="1"/>
+        </dgm:presLayoutVars>
+      </dgm:prSet>
+      <dgm:spPr/>
+    </dgm:pt>
+  </dgm:ptLst>
+  <dgm:cxnLst>
+    <dgm:cxn modelId="{DD62D909-0CE3-1B4C-9F09-B3351025EA2F}" type="presOf" srcId="{2F4EE9AF-08F1-9649-BFFA-7FDA050C74D2}" destId="{CB762A47-F95E-8544-83EB-F93C8B19F572}" srcOrd="0" destOrd="0" presId="urn:microsoft.com/office/officeart/2005/8/layout/vList5"/>
+    <dgm:cxn modelId="{2E3B3429-9645-4844-A736-50C65C2F654E}" srcId="{B9FBB560-9273-754C-BA2F-54289A4F5E6B}" destId="{AE0EDFD6-E54E-B844-A6EB-52AF2962F387}" srcOrd="0" destOrd="0" parTransId="{BC421B88-4693-DC46-93BA-0916C1EFB3B9}" sibTransId="{31A83348-9AD4-E34A-A66A-1D925B133A74}"/>
+    <dgm:cxn modelId="{C09CCB58-3434-4541-B3CC-5DEE9584CB3F}" type="presOf" srcId="{AE0EDFD6-E54E-B844-A6EB-52AF2962F387}" destId="{A0C56B30-EAAB-6344-B074-C451ACFB8288}" srcOrd="0" destOrd="0" presId="urn:microsoft.com/office/officeart/2005/8/layout/vList5"/>
+    <dgm:cxn modelId="{507D326F-F499-034B-A2A8-C32A33AE4735}" srcId="{2F4EE9AF-08F1-9649-BFFA-7FDA050C74D2}" destId="{E85967B5-0660-C143-ADC5-806109A61C8D}" srcOrd="0" destOrd="0" parTransId="{C79A081D-17D3-B74E-A156-28E418CD151C}" sibTransId="{A968C2F7-DF49-F249-A8AF-2248B7AC90DF}"/>
+    <dgm:cxn modelId="{55A51477-8005-9D4C-BF83-FEDD1B97843F}" srcId="{E85967B5-0660-C143-ADC5-806109A61C8D}" destId="{9D6BFD5C-119A-184B-B93F-5EBEF781E054}" srcOrd="2" destOrd="0" parTransId="{BBF31EF9-4245-CA4E-A43B-4BF63656A41E}" sibTransId="{EBAF156D-3F8A-664F-948A-7754F2061820}"/>
+    <dgm:cxn modelId="{D3FF217C-BDDB-F14F-AF87-A373C5BA1144}" type="presOf" srcId="{2271DF1B-B24C-2941-8E83-4401040DDACF}" destId="{119F009C-2B72-4E4E-80CB-DC4604E156AD}" srcOrd="0" destOrd="0" presId="urn:microsoft.com/office/officeart/2005/8/layout/vList5"/>
+    <dgm:cxn modelId="{A29FDC85-9C00-6941-A16A-3C6C896B8C20}" srcId="{B9FBB560-9273-754C-BA2F-54289A4F5E6B}" destId="{5804DC1A-8496-904B-8D6F-29F0E6BAE300}" srcOrd="2" destOrd="0" parTransId="{1C8AFCD6-6002-4546-BD70-6467132C7DFA}" sibTransId="{F334C5A8-E255-5146-9B2C-A56B203904D8}"/>
+    <dgm:cxn modelId="{6B40068F-9354-944D-B593-F1FEF92D738B}" srcId="{E85967B5-0660-C143-ADC5-806109A61C8D}" destId="{2271DF1B-B24C-2941-8E83-4401040DDACF}" srcOrd="0" destOrd="0" parTransId="{43DB2928-2F28-914A-8129-0DB26545C6B2}" sibTransId="{D8161CD9-4784-DA41-99F6-AD6EEDF0CCFE}"/>
+    <dgm:cxn modelId="{4946CBBB-F869-5C4E-BD59-A9CA29B2A2E4}" srcId="{B9FBB560-9273-754C-BA2F-54289A4F5E6B}" destId="{99FAA5DD-605B-C847-A6A2-C9E9D7DDDFA9}" srcOrd="1" destOrd="0" parTransId="{DADAFCCA-2A22-9F48-A1FA-1B6AF371914B}" sibTransId="{2BA21085-C784-994B-B939-61116D44484A}"/>
+    <dgm:cxn modelId="{3B50E5C0-257C-2245-B686-DA3731A091C1}" type="presOf" srcId="{99FAA5DD-605B-C847-A6A2-C9E9D7DDDFA9}" destId="{A0C56B30-EAAB-6344-B074-C451ACFB8288}" srcOrd="0" destOrd="1" presId="urn:microsoft.com/office/officeart/2005/8/layout/vList5"/>
+    <dgm:cxn modelId="{0D98E0C6-DAE4-DF4F-A6B3-C1CEDEE22D5D}" srcId="{E85967B5-0660-C143-ADC5-806109A61C8D}" destId="{C7150F76-EE71-504B-9075-75F472A5AA41}" srcOrd="1" destOrd="0" parTransId="{7A1D9066-8268-C24E-B1B7-29B8203F2B2C}" sibTransId="{43AA1A36-F6C8-144C-8A67-8EA029C1CAF9}"/>
+    <dgm:cxn modelId="{A71660CB-F0BE-5341-80B1-EC54262DBE0A}" type="presOf" srcId="{5804DC1A-8496-904B-8D6F-29F0E6BAE300}" destId="{A0C56B30-EAAB-6344-B074-C451ACFB8288}" srcOrd="0" destOrd="2" presId="urn:microsoft.com/office/officeart/2005/8/layout/vList5"/>
+    <dgm:cxn modelId="{4548AFE5-99AE-1D4D-B60B-04F3AB55BA61}" type="presOf" srcId="{C7150F76-EE71-504B-9075-75F472A5AA41}" destId="{119F009C-2B72-4E4E-80CB-DC4604E156AD}" srcOrd="0" destOrd="1" presId="urn:microsoft.com/office/officeart/2005/8/layout/vList5"/>
+    <dgm:cxn modelId="{30DE9CE6-727E-E641-AD90-3F5A529AD6EC}" type="presOf" srcId="{9D6BFD5C-119A-184B-B93F-5EBEF781E054}" destId="{119F009C-2B72-4E4E-80CB-DC4604E156AD}" srcOrd="0" destOrd="2" presId="urn:microsoft.com/office/officeart/2005/8/layout/vList5"/>
+    <dgm:cxn modelId="{3DDBEBEC-5484-5B4F-A648-5760B20F4F2E}" srcId="{2F4EE9AF-08F1-9649-BFFA-7FDA050C74D2}" destId="{B9FBB560-9273-754C-BA2F-54289A4F5E6B}" srcOrd="1" destOrd="0" parTransId="{F859A333-EDF3-0643-8F04-27418242E273}" sibTransId="{4A0BCED6-6704-8945-8DA9-66EDE9F5851E}"/>
+    <dgm:cxn modelId="{DDC989F5-09CF-7C43-8BBE-7C46BFA42083}" type="presOf" srcId="{B9FBB560-9273-754C-BA2F-54289A4F5E6B}" destId="{2B1F0C82-D938-E24A-A6A6-5BBB3E7F432A}" srcOrd="0" destOrd="0" presId="urn:microsoft.com/office/officeart/2005/8/layout/vList5"/>
+    <dgm:cxn modelId="{2DC735F6-5157-3A4F-940D-385C4425BE12}" type="presOf" srcId="{E85967B5-0660-C143-ADC5-806109A61C8D}" destId="{EF0A984A-1430-5A44-8E21-87FEBCC16B79}" srcOrd="0" destOrd="0" presId="urn:microsoft.com/office/officeart/2005/8/layout/vList5"/>
+    <dgm:cxn modelId="{66663465-1E72-9C47-9EAA-DE31C6F4477C}" type="presParOf" srcId="{CB762A47-F95E-8544-83EB-F93C8B19F572}" destId="{77A3125B-CB17-0849-9133-055D079D0270}" srcOrd="0" destOrd="0" presId="urn:microsoft.com/office/officeart/2005/8/layout/vList5"/>
+    <dgm:cxn modelId="{70F07D84-5492-A04F-A14B-9A4C54054398}" type="presParOf" srcId="{77A3125B-CB17-0849-9133-055D079D0270}" destId="{EF0A984A-1430-5A44-8E21-87FEBCC16B79}" srcOrd="0" destOrd="0" presId="urn:microsoft.com/office/officeart/2005/8/layout/vList5"/>
+    <dgm:cxn modelId="{C6F68151-81C9-6F45-871B-DF1713624A28}" type="presParOf" srcId="{77A3125B-CB17-0849-9133-055D079D0270}" destId="{119F009C-2B72-4E4E-80CB-DC4604E156AD}" srcOrd="1" destOrd="0" presId="urn:microsoft.com/office/officeart/2005/8/layout/vList5"/>
+    <dgm:cxn modelId="{44F502B6-CEA2-B444-B3E4-1C92BD327BCB}" type="presParOf" srcId="{CB762A47-F95E-8544-83EB-F93C8B19F572}" destId="{D592D8B2-12C0-2D4C-9158-2D19D6878586}" srcOrd="1" destOrd="0" presId="urn:microsoft.com/office/officeart/2005/8/layout/vList5"/>
+    <dgm:cxn modelId="{F7F0F9E2-7704-6B4F-B94B-9A2B07EE8493}" type="presParOf" srcId="{CB762A47-F95E-8544-83EB-F93C8B19F572}" destId="{4C550E1F-8AE5-8E4A-97A8-AA8D43B66289}" srcOrd="2" destOrd="0" presId="urn:microsoft.com/office/officeart/2005/8/layout/vList5"/>
+    <dgm:cxn modelId="{3C82A36B-AADF-0940-8858-8A60DC17465E}" type="presParOf" srcId="{4C550E1F-8AE5-8E4A-97A8-AA8D43B66289}" destId="{2B1F0C82-D938-E24A-A6A6-5BBB3E7F432A}" srcOrd="0" destOrd="0" presId="urn:microsoft.com/office/officeart/2005/8/layout/vList5"/>
+    <dgm:cxn modelId="{743ACE52-8227-9E4A-8597-9B9F82004433}" type="presParOf" srcId="{4C550E1F-8AE5-8E4A-97A8-AA8D43B66289}" destId="{A0C56B30-EAAB-6344-B074-C451ACFB8288}" srcOrd="1" destOrd="0" presId="urn:microsoft.com/office/officeart/2005/8/layout/vList5"/>
   </dgm:cxnLst>
   <dgm:bg/>
   <dgm:whole/>
@@ -9510,11 +9612,11 @@
           <a:avLst/>
         </a:prstGeom>
         <a:solidFill>
-          <a:schemeClr val="accent2">
+          <a:schemeClr val="accent3">
             <a:alpha val="50000"/>
-            <a:hueOff val="597797"/>
-            <a:satOff val="6732"/>
-            <a:lumOff val="-4019"/>
+            <a:hueOff val="0"/>
+            <a:satOff val="0"/>
+            <a:lumOff val="0"/>
             <a:alphaOff val="0"/>
           </a:schemeClr>
         </a:solidFill>
@@ -9589,11 +9691,11 @@
           <a:avLst/>
         </a:prstGeom>
         <a:solidFill>
-          <a:schemeClr val="accent2">
+          <a:schemeClr val="accent4">
             <a:alpha val="50000"/>
-            <a:hueOff val="1195595"/>
-            <a:satOff val="13465"/>
-            <a:lumOff val="-8038"/>
+            <a:hueOff val="0"/>
+            <a:satOff val="0"/>
+            <a:lumOff val="0"/>
             <a:alphaOff val="0"/>
           </a:schemeClr>
         </a:solidFill>
@@ -9679,15 +9781,7 @@
         <a:prstGeom prst="ellipse">
           <a:avLst/>
         </a:prstGeom>
-        <a:solidFill>
-          <a:schemeClr val="accent3">
-            <a:alpha val="50000"/>
-            <a:hueOff val="0"/>
-            <a:satOff val="0"/>
-            <a:lumOff val="0"/>
-            <a:alphaOff val="0"/>
-          </a:schemeClr>
-        </a:solidFill>
+        <a:noFill/>
         <a:ln w="12700" cap="flat" cmpd="sng" algn="ctr">
           <a:solidFill>
             <a:schemeClr val="lt1">
@@ -10254,407 +10348,6 @@
       <dsp:cNvGrpSpPr/>
     </dsp:nvGrpSpPr>
     <dsp:grpSpPr/>
-    <dsp:sp modelId="{119F009C-2B72-4E4E-80CB-DC4604E156AD}">
-      <dsp:nvSpPr>
-        <dsp:cNvPr id="0" name=""/>
-        <dsp:cNvSpPr/>
-      </dsp:nvSpPr>
-      <dsp:spPr>
-        <a:xfrm rot="5400000">
-          <a:off x="4309305" y="-1364944"/>
-          <a:ext cx="1701054" cy="4856312"/>
-        </a:xfrm>
-        <a:prstGeom prst="round2SameRect">
-          <a:avLst/>
-        </a:prstGeom>
-        <a:solidFill>
-          <a:schemeClr val="accent3">
-            <a:tint val="40000"/>
-            <a:alpha val="90000"/>
-            <a:hueOff val="0"/>
-            <a:satOff val="0"/>
-            <a:lumOff val="0"/>
-            <a:alphaOff val="0"/>
-          </a:schemeClr>
-        </a:solidFill>
-        <a:ln w="12700" cap="flat" cmpd="sng" algn="ctr">
-          <a:solidFill>
-            <a:schemeClr val="accent3">
-              <a:tint val="40000"/>
-              <a:alpha val="90000"/>
-              <a:hueOff val="0"/>
-              <a:satOff val="0"/>
-              <a:lumOff val="0"/>
-              <a:alphaOff val="0"/>
-            </a:schemeClr>
-          </a:solidFill>
-          <a:prstDash val="solid"/>
-          <a:miter lim="800000"/>
-        </a:ln>
-        <a:effectLst/>
-      </dsp:spPr>
-      <dsp:style>
-        <a:lnRef idx="2">
-          <a:scrgbClr r="0" g="0" b="0"/>
-        </a:lnRef>
-        <a:fillRef idx="1">
-          <a:scrgbClr r="0" g="0" b="0"/>
-        </a:fillRef>
-        <a:effectRef idx="0">
-          <a:scrgbClr r="0" g="0" b="0"/>
-        </a:effectRef>
-        <a:fontRef idx="minor"/>
-      </dsp:style>
-      <dsp:txBody>
-        <a:bodyPr spcFirstLastPara="0" vert="horz" wrap="square" lIns="247650" tIns="123825" rIns="247650" bIns="123825" numCol="1" spcCol="1270" anchor="ctr" anchorCtr="0">
-          <a:noAutofit/>
-        </a:bodyPr>
-        <a:lstStyle/>
-        <a:p>
-          <a:pPr marL="228600" lvl="1" indent="-228600" algn="l" defTabSz="1066800">
-            <a:lnSpc>
-              <a:spcPct val="90000"/>
-            </a:lnSpc>
-            <a:spcBef>
-              <a:spcPct val="0"/>
-            </a:spcBef>
-            <a:spcAft>
-              <a:spcPct val="15000"/>
-            </a:spcAft>
-            <a:buChar char="•"/>
-          </a:pPr>
-          <a:r>
-            <a:rPr lang="zh-CN" altLang="en-US" sz="2400" kern="1200" dirty="0"/>
-            <a:t>难维护（松散，唯一键的维护）</a:t>
-          </a:r>
-        </a:p>
-        <a:p>
-          <a:pPr marL="228600" lvl="1" indent="-228600" algn="l" defTabSz="1066800">
-            <a:lnSpc>
-              <a:spcPct val="90000"/>
-            </a:lnSpc>
-            <a:spcBef>
-              <a:spcPct val="0"/>
-            </a:spcBef>
-            <a:spcAft>
-              <a:spcPct val="15000"/>
-            </a:spcAft>
-            <a:buChar char="•"/>
-          </a:pPr>
-          <a:r>
-            <a:rPr lang="zh-CN" altLang="en-US" sz="2400" kern="1200" dirty="0"/>
-            <a:t>重复实现业务逻辑</a:t>
-          </a:r>
-        </a:p>
-        <a:p>
-          <a:pPr marL="228600" lvl="1" indent="-228600" algn="l" defTabSz="1066800">
-            <a:lnSpc>
-              <a:spcPct val="90000"/>
-            </a:lnSpc>
-            <a:spcBef>
-              <a:spcPct val="0"/>
-            </a:spcBef>
-            <a:spcAft>
-              <a:spcPct val="15000"/>
-            </a:spcAft>
-            <a:buChar char="•"/>
-          </a:pPr>
-          <a:r>
-            <a:rPr lang="zh-CN" altLang="en-US" sz="2400" kern="1200" dirty="0"/>
-            <a:t>准确性由搜索能力决定</a:t>
-          </a:r>
-        </a:p>
-      </dsp:txBody>
-      <dsp:txXfrm rot="-5400000">
-        <a:off x="2731677" y="295723"/>
-        <a:ext cx="4773273" cy="1534976"/>
-      </dsp:txXfrm>
-    </dsp:sp>
-    <dsp:sp modelId="{EF0A984A-1430-5A44-8E21-87FEBCC16B79}">
-      <dsp:nvSpPr>
-        <dsp:cNvPr id="0" name=""/>
-        <dsp:cNvSpPr/>
-      </dsp:nvSpPr>
-      <dsp:spPr>
-        <a:xfrm>
-          <a:off x="0" y="53"/>
-          <a:ext cx="2731676" cy="2126317"/>
-        </a:xfrm>
-        <a:prstGeom prst="roundRect">
-          <a:avLst/>
-        </a:prstGeom>
-        <a:solidFill>
-          <a:schemeClr val="accent3">
-            <a:hueOff val="0"/>
-            <a:satOff val="0"/>
-            <a:lumOff val="0"/>
-            <a:alphaOff val="0"/>
-          </a:schemeClr>
-        </a:solidFill>
-        <a:ln w="12700" cap="flat" cmpd="sng" algn="ctr">
-          <a:solidFill>
-            <a:schemeClr val="lt1">
-              <a:hueOff val="0"/>
-              <a:satOff val="0"/>
-              <a:lumOff val="0"/>
-              <a:alphaOff val="0"/>
-            </a:schemeClr>
-          </a:solidFill>
-          <a:prstDash val="solid"/>
-          <a:miter lim="800000"/>
-        </a:ln>
-        <a:effectLst/>
-      </dsp:spPr>
-      <dsp:style>
-        <a:lnRef idx="2">
-          <a:scrgbClr r="0" g="0" b="0"/>
-        </a:lnRef>
-        <a:fillRef idx="1">
-          <a:scrgbClr r="0" g="0" b="0"/>
-        </a:fillRef>
-        <a:effectRef idx="0">
-          <a:scrgbClr r="0" g="0" b="0"/>
-        </a:effectRef>
-        <a:fontRef idx="minor">
-          <a:schemeClr val="lt1"/>
-        </a:fontRef>
-      </dsp:style>
-      <dsp:txBody>
-        <a:bodyPr spcFirstLastPara="0" vert="horz" wrap="square" lIns="198120" tIns="99060" rIns="198120" bIns="99060" numCol="1" spcCol="1270" anchor="ctr" anchorCtr="0">
-          <a:noAutofit/>
-        </a:bodyPr>
-        <a:lstStyle/>
-        <a:p>
-          <a:pPr marL="0" lvl="0" indent="0" algn="ctr" defTabSz="2311400">
-            <a:lnSpc>
-              <a:spcPct val="90000"/>
-            </a:lnSpc>
-            <a:spcBef>
-              <a:spcPct val="0"/>
-            </a:spcBef>
-            <a:spcAft>
-              <a:spcPct val="35000"/>
-            </a:spcAft>
-            <a:buNone/>
-          </a:pPr>
-          <a:r>
-            <a:rPr lang="zh-CN" altLang="en-US" sz="5200" kern="1200" dirty="0"/>
-            <a:t>知识库</a:t>
-          </a:r>
-        </a:p>
-      </dsp:txBody>
-      <dsp:txXfrm>
-        <a:off x="103798" y="103851"/>
-        <a:ext cx="2524080" cy="1918721"/>
-      </dsp:txXfrm>
-    </dsp:sp>
-    <dsp:sp modelId="{A0C56B30-EAAB-6344-B074-C451ACFB8288}">
-      <dsp:nvSpPr>
-        <dsp:cNvPr id="0" name=""/>
-        <dsp:cNvSpPr/>
-      </dsp:nvSpPr>
-      <dsp:spPr>
-        <a:xfrm rot="5400000">
-          <a:off x="4309305" y="867689"/>
-          <a:ext cx="1701054" cy="4856312"/>
-        </a:xfrm>
-        <a:prstGeom prst="round2SameRect">
-          <a:avLst/>
-        </a:prstGeom>
-        <a:solidFill>
-          <a:schemeClr val="accent3">
-            <a:tint val="40000"/>
-            <a:alpha val="90000"/>
-            <a:hueOff val="4059450"/>
-            <a:satOff val="-47331"/>
-            <a:lumOff val="-2964"/>
-            <a:alphaOff val="0"/>
-          </a:schemeClr>
-        </a:solidFill>
-        <a:ln w="12700" cap="flat" cmpd="sng" algn="ctr">
-          <a:solidFill>
-            <a:schemeClr val="accent3">
-              <a:tint val="40000"/>
-              <a:alpha val="90000"/>
-              <a:hueOff val="4059450"/>
-              <a:satOff val="-47331"/>
-              <a:lumOff val="-2964"/>
-              <a:alphaOff val="0"/>
-            </a:schemeClr>
-          </a:solidFill>
-          <a:prstDash val="solid"/>
-          <a:miter lim="800000"/>
-        </a:ln>
-        <a:effectLst/>
-      </dsp:spPr>
-      <dsp:style>
-        <a:lnRef idx="2">
-          <a:scrgbClr r="0" g="0" b="0"/>
-        </a:lnRef>
-        <a:fillRef idx="1">
-          <a:scrgbClr r="0" g="0" b="0"/>
-        </a:fillRef>
-        <a:effectRef idx="0">
-          <a:scrgbClr r="0" g="0" b="0"/>
-        </a:effectRef>
-        <a:fontRef idx="minor"/>
-      </dsp:style>
-      <dsp:txBody>
-        <a:bodyPr spcFirstLastPara="0" vert="horz" wrap="square" lIns="247650" tIns="123825" rIns="247650" bIns="123825" numCol="1" spcCol="1270" anchor="ctr" anchorCtr="0">
-          <a:noAutofit/>
-        </a:bodyPr>
-        <a:lstStyle/>
-        <a:p>
-          <a:pPr marL="228600" lvl="1" indent="-228600" algn="l" defTabSz="1066800">
-            <a:lnSpc>
-              <a:spcPct val="90000"/>
-            </a:lnSpc>
-            <a:spcBef>
-              <a:spcPct val="0"/>
-            </a:spcBef>
-            <a:spcAft>
-              <a:spcPct val="15000"/>
-            </a:spcAft>
-            <a:buChar char="•"/>
-          </a:pPr>
-          <a:r>
-            <a:rPr lang="zh-CN" altLang="en-US" sz="2400" kern="1200" dirty="0"/>
-            <a:t>易维护（现有服务管理体系）</a:t>
-          </a:r>
-        </a:p>
-        <a:p>
-          <a:pPr marL="228600" lvl="1" indent="-228600" algn="l" defTabSz="1066800">
-            <a:lnSpc>
-              <a:spcPct val="90000"/>
-            </a:lnSpc>
-            <a:spcBef>
-              <a:spcPct val="0"/>
-            </a:spcBef>
-            <a:spcAft>
-              <a:spcPct val="15000"/>
-            </a:spcAft>
-            <a:buChar char="•"/>
-          </a:pPr>
-          <a:r>
-            <a:rPr lang="zh-CN" altLang="en-US" sz="2400" kern="1200" dirty="0"/>
-            <a:t>不重复实现业务逻辑</a:t>
-          </a:r>
-        </a:p>
-        <a:p>
-          <a:pPr marL="228600" lvl="1" indent="-228600" algn="l" defTabSz="1066800">
-            <a:lnSpc>
-              <a:spcPct val="90000"/>
-            </a:lnSpc>
-            <a:spcBef>
-              <a:spcPct val="0"/>
-            </a:spcBef>
-            <a:spcAft>
-              <a:spcPct val="15000"/>
-            </a:spcAft>
-            <a:buChar char="•"/>
-          </a:pPr>
-          <a:r>
-            <a:rPr lang="zh-CN" altLang="en-US" sz="2400" kern="1200" dirty="0"/>
-            <a:t>准确性由语义解析能力决定</a:t>
-          </a:r>
-        </a:p>
-      </dsp:txBody>
-      <dsp:txXfrm rot="-5400000">
-        <a:off x="2731677" y="2528357"/>
-        <a:ext cx="4773273" cy="1534976"/>
-      </dsp:txXfrm>
-    </dsp:sp>
-    <dsp:sp modelId="{2B1F0C82-D938-E24A-A6A6-5BBB3E7F432A}">
-      <dsp:nvSpPr>
-        <dsp:cNvPr id="0" name=""/>
-        <dsp:cNvSpPr/>
-      </dsp:nvSpPr>
-      <dsp:spPr>
-        <a:xfrm>
-          <a:off x="0" y="2232686"/>
-          <a:ext cx="2731676" cy="2126317"/>
-        </a:xfrm>
-        <a:prstGeom prst="roundRect">
-          <a:avLst/>
-        </a:prstGeom>
-        <a:solidFill>
-          <a:schemeClr val="accent3">
-            <a:hueOff val="2947330"/>
-            <a:satOff val="-50118"/>
-            <a:lumOff val="2155"/>
-            <a:alphaOff val="0"/>
-          </a:schemeClr>
-        </a:solidFill>
-        <a:ln w="12700" cap="flat" cmpd="sng" algn="ctr">
-          <a:solidFill>
-            <a:schemeClr val="lt1">
-              <a:hueOff val="0"/>
-              <a:satOff val="0"/>
-              <a:lumOff val="0"/>
-              <a:alphaOff val="0"/>
-            </a:schemeClr>
-          </a:solidFill>
-          <a:prstDash val="solid"/>
-          <a:miter lim="800000"/>
-        </a:ln>
-        <a:effectLst/>
-      </dsp:spPr>
-      <dsp:style>
-        <a:lnRef idx="2">
-          <a:scrgbClr r="0" g="0" b="0"/>
-        </a:lnRef>
-        <a:fillRef idx="1">
-          <a:scrgbClr r="0" g="0" b="0"/>
-        </a:fillRef>
-        <a:effectRef idx="0">
-          <a:scrgbClr r="0" g="0" b="0"/>
-        </a:effectRef>
-        <a:fontRef idx="minor">
-          <a:schemeClr val="lt1"/>
-        </a:fontRef>
-      </dsp:style>
-      <dsp:txBody>
-        <a:bodyPr spcFirstLastPara="0" vert="horz" wrap="square" lIns="198120" tIns="99060" rIns="198120" bIns="99060" numCol="1" spcCol="1270" anchor="ctr" anchorCtr="0">
-          <a:noAutofit/>
-        </a:bodyPr>
-        <a:lstStyle/>
-        <a:p>
-          <a:pPr marL="0" lvl="0" indent="0" algn="ctr" defTabSz="2311400">
-            <a:lnSpc>
-              <a:spcPct val="90000"/>
-            </a:lnSpc>
-            <a:spcBef>
-              <a:spcPct val="0"/>
-            </a:spcBef>
-            <a:spcAft>
-              <a:spcPct val="35000"/>
-            </a:spcAft>
-            <a:buNone/>
-          </a:pPr>
-          <a:r>
-            <a:rPr lang="en-US" altLang="zh-CN" sz="5200" kern="1200" dirty="0"/>
-            <a:t>Agents</a:t>
-          </a:r>
-          <a:endParaRPr lang="zh-CN" altLang="en-US" sz="5200" kern="1200" dirty="0"/>
-        </a:p>
-      </dsp:txBody>
-      <dsp:txXfrm>
-        <a:off x="103798" y="2336484"/>
-        <a:ext cx="2524080" cy="1918721"/>
-      </dsp:txXfrm>
-    </dsp:sp>
-  </dsp:spTree>
-</dsp:drawing>
-</file>
-
-<file path=ppt/diagrams/drawing5.xml><?xml version="1.0" encoding="utf-8"?>
-<dsp:drawing xmlns:dgm="http://schemas.openxmlformats.org/drawingml/2006/diagram" xmlns:dsp="http://schemas.microsoft.com/office/drawing/2008/diagram" xmlns:a="http://schemas.openxmlformats.org/drawingml/2006/main">
-  <dsp:spTree>
-    <dsp:nvGrpSpPr>
-      <dsp:cNvPr id="0" name=""/>
-      <dsp:cNvGrpSpPr/>
-    </dsp:nvGrpSpPr>
-    <dsp:grpSpPr/>
     <dsp:sp modelId="{6F48E9DD-5433-C143-8DBA-943754E8C815}">
       <dsp:nvSpPr>
         <dsp:cNvPr id="0" name=""/>
@@ -11155,32 +10848,6 @@
             <a:t>知识图谱生成本身就是难点</a:t>
           </a:r>
         </a:p>
-        <a:p>
-          <a:pPr marL="114300" lvl="1" indent="-114300" algn="l" defTabSz="622300">
-            <a:lnSpc>
-              <a:spcPct val="90000"/>
-            </a:lnSpc>
-            <a:spcBef>
-              <a:spcPct val="0"/>
-            </a:spcBef>
-            <a:spcAft>
-              <a:spcPct val="15000"/>
-            </a:spcAft>
-            <a:buChar char="•"/>
-          </a:pPr>
-          <a:r>
-            <a:rPr lang="zh-CN" altLang="en-US" sz="1400" kern="1200" dirty="0"/>
-            <a:t>要求模型语义分析能力强 </a:t>
-          </a:r>
-          <a:r>
-            <a:rPr lang="en-US" altLang="zh-CN" sz="1400" kern="1200" dirty="0"/>
-            <a:t>+</a:t>
-          </a:r>
-          <a:r>
-            <a:rPr lang="zh-CN" altLang="en-US" sz="1400" kern="1200" dirty="0"/>
-            <a:t> 高效图算法</a:t>
-          </a:r>
-        </a:p>
       </dsp:txBody>
       <dsp:txXfrm rot="-5400000">
         <a:off x="2926080" y="3211457"/>
@@ -11269,7 +10936,7 @@
 </dsp:drawing>
 </file>
 
-<file path=ppt/diagrams/drawing6.xml><?xml version="1.0" encoding="utf-8"?>
+<file path=ppt/diagrams/drawing5.xml><?xml version="1.0" encoding="utf-8"?>
 <dsp:drawing xmlns:dgm="http://schemas.openxmlformats.org/drawingml/2006/diagram" xmlns:dsp="http://schemas.microsoft.com/office/drawing/2008/diagram" xmlns:a="http://schemas.openxmlformats.org/drawingml/2006/main">
   <dsp:spTree>
     <dsp:nvGrpSpPr>
@@ -11669,7 +11336,7 @@
 </dsp:drawing>
 </file>
 
-<file path=ppt/diagrams/drawing7.xml><?xml version="1.0" encoding="utf-8"?>
+<file path=ppt/diagrams/drawing6.xml><?xml version="1.0" encoding="utf-8"?>
 <dsp:drawing xmlns:dgm="http://schemas.openxmlformats.org/drawingml/2006/diagram" xmlns:dsp="http://schemas.microsoft.com/office/drawing/2008/diagram" xmlns:a="http://schemas.openxmlformats.org/drawingml/2006/main">
   <dsp:spTree>
     <dsp:nvGrpSpPr>
@@ -11964,7 +11631,15 @@
           </a:r>
           <a:r>
             <a:rPr lang="zh-CN" altLang="en-US" sz="2100" kern="1200" dirty="0"/>
-            <a:t> 与 </a:t>
+            <a:t> </a:t>
+          </a:r>
+          <a:r>
+            <a:rPr lang="en-US" altLang="zh-CN" sz="2100" kern="1200" dirty="0"/>
+            <a:t>&amp;</a:t>
+          </a:r>
+          <a:r>
+            <a:rPr lang="zh-CN" altLang="en-US" sz="2100" kern="1200" dirty="0"/>
+            <a:t> </a:t>
           </a:r>
           <a:r>
             <a:rPr lang="en-US" altLang="zh-CN" sz="2100" kern="1200" dirty="0"/>
@@ -12120,6 +11795,407 @@
       <dsp:txXfrm>
         <a:off x="101128" y="2276369"/>
         <a:ext cx="2723824" cy="1869353"/>
+      </dsp:txXfrm>
+    </dsp:sp>
+  </dsp:spTree>
+</dsp:drawing>
+</file>
+
+<file path=ppt/diagrams/drawing7.xml><?xml version="1.0" encoding="utf-8"?>
+<dsp:drawing xmlns:dgm="http://schemas.openxmlformats.org/drawingml/2006/diagram" xmlns:dsp="http://schemas.microsoft.com/office/drawing/2008/diagram" xmlns:a="http://schemas.openxmlformats.org/drawingml/2006/main">
+  <dsp:spTree>
+    <dsp:nvGrpSpPr>
+      <dsp:cNvPr id="0" name=""/>
+      <dsp:cNvGrpSpPr/>
+    </dsp:nvGrpSpPr>
+    <dsp:grpSpPr/>
+    <dsp:sp modelId="{119F009C-2B72-4E4E-80CB-DC4604E156AD}">
+      <dsp:nvSpPr>
+        <dsp:cNvPr id="0" name=""/>
+        <dsp:cNvSpPr/>
+      </dsp:nvSpPr>
+      <dsp:spPr>
+        <a:xfrm rot="5400000">
+          <a:off x="4309305" y="-1364944"/>
+          <a:ext cx="1701054" cy="4856312"/>
+        </a:xfrm>
+        <a:prstGeom prst="round2SameRect">
+          <a:avLst/>
+        </a:prstGeom>
+        <a:solidFill>
+          <a:schemeClr val="accent3">
+            <a:tint val="40000"/>
+            <a:alpha val="90000"/>
+            <a:hueOff val="0"/>
+            <a:satOff val="0"/>
+            <a:lumOff val="0"/>
+            <a:alphaOff val="0"/>
+          </a:schemeClr>
+        </a:solidFill>
+        <a:ln w="12700" cap="flat" cmpd="sng" algn="ctr">
+          <a:solidFill>
+            <a:schemeClr val="accent3">
+              <a:tint val="40000"/>
+              <a:alpha val="90000"/>
+              <a:hueOff val="0"/>
+              <a:satOff val="0"/>
+              <a:lumOff val="0"/>
+              <a:alphaOff val="0"/>
+            </a:schemeClr>
+          </a:solidFill>
+          <a:prstDash val="solid"/>
+          <a:miter lim="800000"/>
+        </a:ln>
+        <a:effectLst/>
+      </dsp:spPr>
+      <dsp:style>
+        <a:lnRef idx="2">
+          <a:scrgbClr r="0" g="0" b="0"/>
+        </a:lnRef>
+        <a:fillRef idx="1">
+          <a:scrgbClr r="0" g="0" b="0"/>
+        </a:fillRef>
+        <a:effectRef idx="0">
+          <a:scrgbClr r="0" g="0" b="0"/>
+        </a:effectRef>
+        <a:fontRef idx="minor"/>
+      </dsp:style>
+      <dsp:txBody>
+        <a:bodyPr spcFirstLastPara="0" vert="horz" wrap="square" lIns="247650" tIns="123825" rIns="247650" bIns="123825" numCol="1" spcCol="1270" anchor="ctr" anchorCtr="0">
+          <a:noAutofit/>
+        </a:bodyPr>
+        <a:lstStyle/>
+        <a:p>
+          <a:pPr marL="228600" lvl="1" indent="-228600" algn="l" defTabSz="1066800">
+            <a:lnSpc>
+              <a:spcPct val="90000"/>
+            </a:lnSpc>
+            <a:spcBef>
+              <a:spcPct val="0"/>
+            </a:spcBef>
+            <a:spcAft>
+              <a:spcPct val="15000"/>
+            </a:spcAft>
+            <a:buChar char="•"/>
+          </a:pPr>
+          <a:r>
+            <a:rPr lang="zh-CN" altLang="en-US" sz="2400" kern="1200" dirty="0"/>
+            <a:t>难维护（松散，唯一键的维护）</a:t>
+          </a:r>
+        </a:p>
+        <a:p>
+          <a:pPr marL="228600" lvl="1" indent="-228600" algn="l" defTabSz="1066800">
+            <a:lnSpc>
+              <a:spcPct val="90000"/>
+            </a:lnSpc>
+            <a:spcBef>
+              <a:spcPct val="0"/>
+            </a:spcBef>
+            <a:spcAft>
+              <a:spcPct val="15000"/>
+            </a:spcAft>
+            <a:buChar char="•"/>
+          </a:pPr>
+          <a:r>
+            <a:rPr lang="zh-CN" altLang="en-US" sz="2400" kern="1200" dirty="0"/>
+            <a:t>重复实现业务逻辑</a:t>
+          </a:r>
+        </a:p>
+        <a:p>
+          <a:pPr marL="228600" lvl="1" indent="-228600" algn="l" defTabSz="1066800">
+            <a:lnSpc>
+              <a:spcPct val="90000"/>
+            </a:lnSpc>
+            <a:spcBef>
+              <a:spcPct val="0"/>
+            </a:spcBef>
+            <a:spcAft>
+              <a:spcPct val="15000"/>
+            </a:spcAft>
+            <a:buChar char="•"/>
+          </a:pPr>
+          <a:r>
+            <a:rPr lang="zh-CN" altLang="en-US" sz="2400" kern="1200" dirty="0"/>
+            <a:t>准确性由搜索能力决定</a:t>
+          </a:r>
+        </a:p>
+      </dsp:txBody>
+      <dsp:txXfrm rot="-5400000">
+        <a:off x="2731677" y="295723"/>
+        <a:ext cx="4773273" cy="1534976"/>
+      </dsp:txXfrm>
+    </dsp:sp>
+    <dsp:sp modelId="{EF0A984A-1430-5A44-8E21-87FEBCC16B79}">
+      <dsp:nvSpPr>
+        <dsp:cNvPr id="0" name=""/>
+        <dsp:cNvSpPr/>
+      </dsp:nvSpPr>
+      <dsp:spPr>
+        <a:xfrm>
+          <a:off x="0" y="53"/>
+          <a:ext cx="2731676" cy="2126317"/>
+        </a:xfrm>
+        <a:prstGeom prst="roundRect">
+          <a:avLst/>
+        </a:prstGeom>
+        <a:solidFill>
+          <a:schemeClr val="accent3">
+            <a:hueOff val="0"/>
+            <a:satOff val="0"/>
+            <a:lumOff val="0"/>
+            <a:alphaOff val="0"/>
+          </a:schemeClr>
+        </a:solidFill>
+        <a:ln w="12700" cap="flat" cmpd="sng" algn="ctr">
+          <a:solidFill>
+            <a:schemeClr val="lt1">
+              <a:hueOff val="0"/>
+              <a:satOff val="0"/>
+              <a:lumOff val="0"/>
+              <a:alphaOff val="0"/>
+            </a:schemeClr>
+          </a:solidFill>
+          <a:prstDash val="solid"/>
+          <a:miter lim="800000"/>
+        </a:ln>
+        <a:effectLst/>
+      </dsp:spPr>
+      <dsp:style>
+        <a:lnRef idx="2">
+          <a:scrgbClr r="0" g="0" b="0"/>
+        </a:lnRef>
+        <a:fillRef idx="1">
+          <a:scrgbClr r="0" g="0" b="0"/>
+        </a:fillRef>
+        <a:effectRef idx="0">
+          <a:scrgbClr r="0" g="0" b="0"/>
+        </a:effectRef>
+        <a:fontRef idx="minor">
+          <a:schemeClr val="lt1"/>
+        </a:fontRef>
+      </dsp:style>
+      <dsp:txBody>
+        <a:bodyPr spcFirstLastPara="0" vert="horz" wrap="square" lIns="198120" tIns="99060" rIns="198120" bIns="99060" numCol="1" spcCol="1270" anchor="ctr" anchorCtr="0">
+          <a:noAutofit/>
+        </a:bodyPr>
+        <a:lstStyle/>
+        <a:p>
+          <a:pPr marL="0" lvl="0" indent="0" algn="ctr" defTabSz="2311400">
+            <a:lnSpc>
+              <a:spcPct val="90000"/>
+            </a:lnSpc>
+            <a:spcBef>
+              <a:spcPct val="0"/>
+            </a:spcBef>
+            <a:spcAft>
+              <a:spcPct val="35000"/>
+            </a:spcAft>
+            <a:buNone/>
+          </a:pPr>
+          <a:r>
+            <a:rPr lang="zh-CN" altLang="en-US" sz="5200" kern="1200" dirty="0"/>
+            <a:t>知识库</a:t>
+          </a:r>
+        </a:p>
+      </dsp:txBody>
+      <dsp:txXfrm>
+        <a:off x="103798" y="103851"/>
+        <a:ext cx="2524080" cy="1918721"/>
+      </dsp:txXfrm>
+    </dsp:sp>
+    <dsp:sp modelId="{A0C56B30-EAAB-6344-B074-C451ACFB8288}">
+      <dsp:nvSpPr>
+        <dsp:cNvPr id="0" name=""/>
+        <dsp:cNvSpPr/>
+      </dsp:nvSpPr>
+      <dsp:spPr>
+        <a:xfrm rot="5400000">
+          <a:off x="4309305" y="867689"/>
+          <a:ext cx="1701054" cy="4856312"/>
+        </a:xfrm>
+        <a:prstGeom prst="round2SameRect">
+          <a:avLst/>
+        </a:prstGeom>
+        <a:solidFill>
+          <a:schemeClr val="accent3">
+            <a:tint val="40000"/>
+            <a:alpha val="90000"/>
+            <a:hueOff val="4059450"/>
+            <a:satOff val="-47331"/>
+            <a:lumOff val="-2964"/>
+            <a:alphaOff val="0"/>
+          </a:schemeClr>
+        </a:solidFill>
+        <a:ln w="12700" cap="flat" cmpd="sng" algn="ctr">
+          <a:solidFill>
+            <a:schemeClr val="accent3">
+              <a:tint val="40000"/>
+              <a:alpha val="90000"/>
+              <a:hueOff val="4059450"/>
+              <a:satOff val="-47331"/>
+              <a:lumOff val="-2964"/>
+              <a:alphaOff val="0"/>
+            </a:schemeClr>
+          </a:solidFill>
+          <a:prstDash val="solid"/>
+          <a:miter lim="800000"/>
+        </a:ln>
+        <a:effectLst/>
+      </dsp:spPr>
+      <dsp:style>
+        <a:lnRef idx="2">
+          <a:scrgbClr r="0" g="0" b="0"/>
+        </a:lnRef>
+        <a:fillRef idx="1">
+          <a:scrgbClr r="0" g="0" b="0"/>
+        </a:fillRef>
+        <a:effectRef idx="0">
+          <a:scrgbClr r="0" g="0" b="0"/>
+        </a:effectRef>
+        <a:fontRef idx="minor"/>
+      </dsp:style>
+      <dsp:txBody>
+        <a:bodyPr spcFirstLastPara="0" vert="horz" wrap="square" lIns="247650" tIns="123825" rIns="247650" bIns="123825" numCol="1" spcCol="1270" anchor="ctr" anchorCtr="0">
+          <a:noAutofit/>
+        </a:bodyPr>
+        <a:lstStyle/>
+        <a:p>
+          <a:pPr marL="228600" lvl="1" indent="-228600" algn="l" defTabSz="1066800">
+            <a:lnSpc>
+              <a:spcPct val="90000"/>
+            </a:lnSpc>
+            <a:spcBef>
+              <a:spcPct val="0"/>
+            </a:spcBef>
+            <a:spcAft>
+              <a:spcPct val="15000"/>
+            </a:spcAft>
+            <a:buChar char="•"/>
+          </a:pPr>
+          <a:r>
+            <a:rPr lang="zh-CN" altLang="en-US" sz="2400" kern="1200" dirty="0"/>
+            <a:t>易维护（现有服务管理体系）</a:t>
+          </a:r>
+        </a:p>
+        <a:p>
+          <a:pPr marL="228600" lvl="1" indent="-228600" algn="l" defTabSz="1066800">
+            <a:lnSpc>
+              <a:spcPct val="90000"/>
+            </a:lnSpc>
+            <a:spcBef>
+              <a:spcPct val="0"/>
+            </a:spcBef>
+            <a:spcAft>
+              <a:spcPct val="15000"/>
+            </a:spcAft>
+            <a:buChar char="•"/>
+          </a:pPr>
+          <a:r>
+            <a:rPr lang="zh-CN" altLang="en-US" sz="2400" kern="1200" dirty="0"/>
+            <a:t>不重复实现业务逻辑</a:t>
+          </a:r>
+        </a:p>
+        <a:p>
+          <a:pPr marL="228600" lvl="1" indent="-228600" algn="l" defTabSz="1066800">
+            <a:lnSpc>
+              <a:spcPct val="90000"/>
+            </a:lnSpc>
+            <a:spcBef>
+              <a:spcPct val="0"/>
+            </a:spcBef>
+            <a:spcAft>
+              <a:spcPct val="15000"/>
+            </a:spcAft>
+            <a:buChar char="•"/>
+          </a:pPr>
+          <a:r>
+            <a:rPr lang="zh-CN" altLang="en-US" sz="2400" kern="1200" dirty="0"/>
+            <a:t>准确性由语义解析能力决定</a:t>
+          </a:r>
+        </a:p>
+      </dsp:txBody>
+      <dsp:txXfrm rot="-5400000">
+        <a:off x="2731677" y="2528357"/>
+        <a:ext cx="4773273" cy="1534976"/>
+      </dsp:txXfrm>
+    </dsp:sp>
+    <dsp:sp modelId="{2B1F0C82-D938-E24A-A6A6-5BBB3E7F432A}">
+      <dsp:nvSpPr>
+        <dsp:cNvPr id="0" name=""/>
+        <dsp:cNvSpPr/>
+      </dsp:nvSpPr>
+      <dsp:spPr>
+        <a:xfrm>
+          <a:off x="0" y="2232686"/>
+          <a:ext cx="2731676" cy="2126317"/>
+        </a:xfrm>
+        <a:prstGeom prst="roundRect">
+          <a:avLst/>
+        </a:prstGeom>
+        <a:solidFill>
+          <a:schemeClr val="accent3">
+            <a:hueOff val="2947330"/>
+            <a:satOff val="-50118"/>
+            <a:lumOff val="2155"/>
+            <a:alphaOff val="0"/>
+          </a:schemeClr>
+        </a:solidFill>
+        <a:ln w="12700" cap="flat" cmpd="sng" algn="ctr">
+          <a:solidFill>
+            <a:schemeClr val="lt1">
+              <a:hueOff val="0"/>
+              <a:satOff val="0"/>
+              <a:lumOff val="0"/>
+              <a:alphaOff val="0"/>
+            </a:schemeClr>
+          </a:solidFill>
+          <a:prstDash val="solid"/>
+          <a:miter lim="800000"/>
+        </a:ln>
+        <a:effectLst/>
+      </dsp:spPr>
+      <dsp:style>
+        <a:lnRef idx="2">
+          <a:scrgbClr r="0" g="0" b="0"/>
+        </a:lnRef>
+        <a:fillRef idx="1">
+          <a:scrgbClr r="0" g="0" b="0"/>
+        </a:fillRef>
+        <a:effectRef idx="0">
+          <a:scrgbClr r="0" g="0" b="0"/>
+        </a:effectRef>
+        <a:fontRef idx="minor">
+          <a:schemeClr val="lt1"/>
+        </a:fontRef>
+      </dsp:style>
+      <dsp:txBody>
+        <a:bodyPr spcFirstLastPara="0" vert="horz" wrap="square" lIns="198120" tIns="99060" rIns="198120" bIns="99060" numCol="1" spcCol="1270" anchor="ctr" anchorCtr="0">
+          <a:noAutofit/>
+        </a:bodyPr>
+        <a:lstStyle/>
+        <a:p>
+          <a:pPr marL="0" lvl="0" indent="0" algn="ctr" defTabSz="2311400">
+            <a:lnSpc>
+              <a:spcPct val="90000"/>
+            </a:lnSpc>
+            <a:spcBef>
+              <a:spcPct val="0"/>
+            </a:spcBef>
+            <a:spcAft>
+              <a:spcPct val="35000"/>
+            </a:spcAft>
+            <a:buNone/>
+          </a:pPr>
+          <a:r>
+            <a:rPr lang="en-US" altLang="zh-CN" sz="5200" kern="1200" dirty="0"/>
+            <a:t>Agents</a:t>
+          </a:r>
+          <a:endParaRPr lang="zh-CN" altLang="en-US" sz="5200" kern="1200" dirty="0"/>
+        </a:p>
+      </dsp:txBody>
+      <dsp:txXfrm>
+        <a:off x="103798" y="2336484"/>
+        <a:ext cx="2524080" cy="1918721"/>
       </dsp:txXfrm>
     </dsp:sp>
   </dsp:spTree>
@@ -21661,7 +21737,7 @@
           <a:p>
             <a:fld id="{A485B803-1403-5B46-92A4-FA3D600F5D34}" type="datetimeFigureOut">
               <a:rPr kumimoji="1" lang="zh-CN" altLang="en-US" smtClean="0"/>
-              <a:t>2023/11/20</a:t>
+              <a:t>2023/11/23</a:t>
             </a:fld>
             <a:endParaRPr kumimoji="1" lang="zh-CN" altLang="en-US"/>
           </a:p>
@@ -22157,7 +22233,7 @@
           <a:p>
             <a:fld id="{760FBDFE-C587-4B4C-A407-44438C67B59E}" type="datetimeFigureOut">
               <a:rPr lang="zh-CN" altLang="en-US" smtClean="0"/>
-              <a:t>2023/11/20</a:t>
+              <a:t>2023/11/23</a:t>
             </a:fld>
             <a:endParaRPr lang="zh-CN" altLang="en-US"/>
           </a:p>
@@ -22256,7 +22332,7 @@
           <a:p>
             <a:fld id="{760FBDFE-C587-4B4C-A407-44438C67B59E}" type="datetimeFigureOut">
               <a:rPr lang="zh-CN" altLang="en-US" smtClean="0"/>
-              <a:t>2023/11/20</a:t>
+              <a:t>2023/11/23</a:t>
             </a:fld>
             <a:endParaRPr lang="zh-CN" altLang="en-US"/>
           </a:p>
@@ -22414,7 +22490,7 @@
           <a:p>
             <a:fld id="{760FBDFE-C587-4B4C-A407-44438C67B59E}" type="datetimeFigureOut">
               <a:rPr lang="zh-CN" altLang="en-US" smtClean="0"/>
-              <a:t>2023/11/20</a:t>
+              <a:t>2023/11/23</a:t>
             </a:fld>
             <a:endParaRPr lang="zh-CN" altLang="en-US"/>
           </a:p>
@@ -22685,7 +22761,7 @@
           <a:p>
             <a:fld id="{760FBDFE-C587-4B4C-A407-44438C67B59E}" type="datetimeFigureOut">
               <a:rPr lang="zh-CN" altLang="en-US" smtClean="0"/>
-              <a:t>2023/11/20</a:t>
+              <a:t>2023/11/23</a:t>
             </a:fld>
             <a:endParaRPr lang="zh-CN" altLang="en-US"/>
           </a:p>
@@ -22945,7 +23021,7 @@
           <a:p>
             <a:fld id="{760FBDFE-C587-4B4C-A407-44438C67B59E}" type="datetimeFigureOut">
               <a:rPr lang="zh-CN" altLang="en-US" smtClean="0"/>
-              <a:t>2023/11/20</a:t>
+              <a:t>2023/11/23</a:t>
             </a:fld>
             <a:endParaRPr lang="zh-CN" altLang="en-US"/>
           </a:p>
@@ -23199,7 +23275,7 @@
           <a:p>
             <a:fld id="{760FBDFE-C587-4B4C-A407-44438C67B59E}" type="datetimeFigureOut">
               <a:rPr lang="zh-CN" altLang="en-US" smtClean="0"/>
-              <a:t>2023/11/20</a:t>
+              <a:t>2023/11/23</a:t>
             </a:fld>
             <a:endParaRPr lang="zh-CN" altLang="en-US"/>
           </a:p>
@@ -23613,7 +23689,7 @@
           <a:p>
             <a:fld id="{760FBDFE-C587-4B4C-A407-44438C67B59E}" type="datetimeFigureOut">
               <a:rPr lang="zh-CN" altLang="en-US" smtClean="0"/>
-              <a:t>2023/11/20</a:t>
+              <a:t>2023/11/23</a:t>
             </a:fld>
             <a:endParaRPr lang="zh-CN" altLang="en-US"/>
           </a:p>
@@ -23745,7 +23821,7 @@
           <a:p>
             <a:fld id="{760FBDFE-C587-4B4C-A407-44438C67B59E}" type="datetimeFigureOut">
               <a:rPr lang="zh-CN" altLang="en-US" smtClean="0"/>
-              <a:t>2023/11/20</a:t>
+              <a:t>2023/11/23</a:t>
             </a:fld>
             <a:endParaRPr lang="zh-CN" altLang="en-US"/>
           </a:p>
@@ -23844,7 +23920,7 @@
           <a:p>
             <a:fld id="{760FBDFE-C587-4B4C-A407-44438C67B59E}" type="datetimeFigureOut">
               <a:rPr lang="zh-CN" altLang="en-US" smtClean="0"/>
-              <a:t>2023/11/20</a:t>
+              <a:t>2023/11/23</a:t>
             </a:fld>
             <a:endParaRPr lang="zh-CN" altLang="en-US"/>
           </a:p>
@@ -24016,7 +24092,7 @@
           <a:p>
             <a:fld id="{9EFD9D74-47D9-4702-A33C-335B63B48DBF}" type="datetimeFigureOut">
               <a:rPr lang="zh-CN" altLang="en-US" smtClean="0"/>
-              <a:t>2023/11/20</a:t>
+              <a:t>2023/11/23</a:t>
             </a:fld>
             <a:endParaRPr lang="zh-CN" altLang="en-US" dirty="0"/>
           </a:p>
@@ -24256,7 +24332,7 @@
           <a:p>
             <a:fld id="{760FBDFE-C587-4B4C-A407-44438C67B59E}" type="datetimeFigureOut">
               <a:rPr lang="zh-CN" altLang="en-US" smtClean="0"/>
-              <a:t>2023/11/20</a:t>
+              <a:t>2023/11/23</a:t>
             </a:fld>
             <a:endParaRPr lang="zh-CN" altLang="en-US"/>
           </a:p>
@@ -24485,7 +24561,7 @@
           <a:p>
             <a:fld id="{760FBDFE-C587-4B4C-A407-44438C67B59E}" type="datetimeFigureOut">
               <a:rPr lang="zh-CN" altLang="en-US" smtClean="0"/>
-              <a:t>2023/11/20</a:t>
+              <a:t>2023/11/23</a:t>
             </a:fld>
             <a:endParaRPr lang="zh-CN" altLang="en-US"/>
           </a:p>
@@ -25129,7 +25205,13 @@
             </a:extLst>
           </p:cNvPr>
           <p:cNvGraphicFramePr/>
-          <p:nvPr/>
+          <p:nvPr>
+            <p:extLst>
+              <p:ext uri="{D42A27DB-BD31-4B8C-83A1-F6EECF244321}">
+                <p14:modId xmlns:p14="http://schemas.microsoft.com/office/powerpoint/2010/main" val="876735860"/>
+              </p:ext>
+            </p:extLst>
+          </p:nvPr>
         </p:nvGraphicFramePr>
         <p:xfrm>
           <a:off x="1963737" y="1519506"/>
@@ -25412,17 +25494,17 @@
           </a:prstGeom>
         </p:spPr>
         <p:style>
-          <a:lnRef idx="1">
-            <a:schemeClr val="accent4"/>
+          <a:lnRef idx="3">
+            <a:schemeClr val="lt1"/>
           </a:lnRef>
-          <a:fillRef idx="2">
+          <a:fillRef idx="1">
             <a:schemeClr val="accent4"/>
           </a:fillRef>
           <a:effectRef idx="1">
             <a:schemeClr val="accent4"/>
           </a:effectRef>
           <a:fontRef idx="minor">
-            <a:schemeClr val="dk1"/>
+            <a:schemeClr val="lt1"/>
           </a:fontRef>
         </p:style>
         <p:txBody>
@@ -25484,16 +25566,15 @@
             <a:prstGeom prst="flowChartDocument">
               <a:avLst/>
             </a:prstGeom>
-            <a:grpFill/>
           </p:spPr>
           <p:style>
-            <a:lnRef idx="1">
-              <a:schemeClr val="accent3"/>
+            <a:lnRef idx="3">
+              <a:schemeClr val="lt1"/>
             </a:lnRef>
-            <a:fillRef idx="3">
+            <a:fillRef idx="1">
               <a:schemeClr val="accent3"/>
             </a:fillRef>
-            <a:effectRef idx="2">
+            <a:effectRef idx="1">
               <a:schemeClr val="accent3"/>
             </a:effectRef>
             <a:fontRef idx="minor">
@@ -25529,16 +25610,15 @@
             <a:prstGeom prst="can">
               <a:avLst/>
             </a:prstGeom>
-            <a:grpFill/>
           </p:spPr>
           <p:style>
-            <a:lnRef idx="1">
-              <a:schemeClr val="accent3"/>
+            <a:lnRef idx="3">
+              <a:schemeClr val="lt1"/>
             </a:lnRef>
-            <a:fillRef idx="3">
+            <a:fillRef idx="1">
               <a:schemeClr val="accent3"/>
             </a:fillRef>
-            <a:effectRef idx="2">
+            <a:effectRef idx="1">
               <a:schemeClr val="accent3"/>
             </a:effectRef>
             <a:fontRef idx="minor">
@@ -25712,13 +25792,13 @@
           </a:ln>
         </p:spPr>
         <p:style>
-          <a:lnRef idx="3">
+          <a:lnRef idx="2">
             <a:schemeClr val="accent3"/>
           </a:lnRef>
           <a:fillRef idx="0">
             <a:schemeClr val="accent3"/>
           </a:fillRef>
-          <a:effectRef idx="2">
+          <a:effectRef idx="1">
             <a:schemeClr val="accent3"/>
           </a:effectRef>
           <a:fontRef idx="minor">
@@ -25755,13 +25835,13 @@
           </a:ln>
         </p:spPr>
         <p:style>
-          <a:lnRef idx="3">
+          <a:lnRef idx="2">
             <a:schemeClr val="accent3"/>
           </a:lnRef>
           <a:fillRef idx="0">
             <a:schemeClr val="accent3"/>
           </a:fillRef>
-          <a:effectRef idx="2">
+          <a:effectRef idx="1">
             <a:schemeClr val="accent3"/>
           </a:effectRef>
           <a:fontRef idx="minor">
@@ -25894,13 +25974,13 @@
           </a:ln>
         </p:spPr>
         <p:style>
-          <a:lnRef idx="3">
+          <a:lnRef idx="2">
             <a:schemeClr val="accent3"/>
           </a:lnRef>
           <a:fillRef idx="0">
             <a:schemeClr val="accent3"/>
           </a:fillRef>
-          <a:effectRef idx="2">
+          <a:effectRef idx="1">
             <a:schemeClr val="accent3"/>
           </a:effectRef>
           <a:fontRef idx="minor">
@@ -25935,13 +26015,13 @@
           </a:ln>
         </p:spPr>
         <p:style>
-          <a:lnRef idx="3">
+          <a:lnRef idx="2">
             <a:schemeClr val="accent3"/>
           </a:lnRef>
           <a:fillRef idx="0">
             <a:schemeClr val="accent3"/>
           </a:fillRef>
-          <a:effectRef idx="2">
+          <a:effectRef idx="1">
             <a:schemeClr val="accent3"/>
           </a:effectRef>
           <a:fontRef idx="minor">
@@ -26162,38 +26242,8 @@
         </p:blipFill>
         <p:spPr>
           <a:xfrm>
-            <a:off x="4043362" y="1690688"/>
-            <a:ext cx="6505575" cy="2118482"/>
-          </a:xfrm>
-          <a:prstGeom prst="rect">
-            <a:avLst/>
-          </a:prstGeom>
-        </p:spPr>
-      </p:pic>
-      <p:pic>
-        <p:nvPicPr>
-          <p:cNvPr id="4" name="图片 3">
-            <a:extLst>
-              <a:ext uri="{FF2B5EF4-FFF2-40B4-BE49-F238E27FC236}">
-                <a16:creationId xmlns:a16="http://schemas.microsoft.com/office/drawing/2014/main" id="{B9473570-E80C-D8FC-3C38-9C3D55B5E6A9}"/>
-              </a:ext>
-            </a:extLst>
-          </p:cNvPr>
-          <p:cNvPicPr>
-            <a:picLocks noChangeAspect="1"/>
-          </p:cNvPicPr>
-          <p:nvPr/>
-        </p:nvPicPr>
-        <p:blipFill>
-          <a:blip r:embed="rId3"/>
-          <a:stretch>
-            <a:fillRect/>
-          </a:stretch>
-        </p:blipFill>
-        <p:spPr>
-          <a:xfrm>
-            <a:off x="4043362" y="4184168"/>
-            <a:ext cx="6505575" cy="2308707"/>
+            <a:off x="4046473" y="1783633"/>
+            <a:ext cx="6000206" cy="1953913"/>
           </a:xfrm>
           <a:prstGeom prst="rect">
             <a:avLst/>
@@ -26214,7 +26264,7 @@
         </p:nvSpPr>
         <p:spPr>
           <a:xfrm>
-            <a:off x="1412358" y="2457541"/>
+            <a:off x="1412358" y="2468201"/>
             <a:ext cx="1826141" cy="584775"/>
           </a:xfrm>
           <a:prstGeom prst="rect">
@@ -26249,7 +26299,7 @@
         </p:nvSpPr>
         <p:spPr>
           <a:xfrm>
-            <a:off x="1412358" y="5046133"/>
+            <a:off x="1412358" y="4934990"/>
             <a:ext cx="960519" cy="584775"/>
           </a:xfrm>
           <a:prstGeom prst="rect">
@@ -26271,6 +26321,36 @@
           </a:p>
         </p:txBody>
       </p:sp>
+      <p:pic>
+        <p:nvPicPr>
+          <p:cNvPr id="7" name="图片 6">
+            <a:extLst>
+              <a:ext uri="{FF2B5EF4-FFF2-40B4-BE49-F238E27FC236}">
+                <a16:creationId xmlns:a16="http://schemas.microsoft.com/office/drawing/2014/main" id="{947201F4-FF69-142D-5D17-7DE4B4C8E48A}"/>
+              </a:ext>
+            </a:extLst>
+          </p:cNvPr>
+          <p:cNvPicPr>
+            <a:picLocks noChangeAspect="1"/>
+          </p:cNvPicPr>
+          <p:nvPr/>
+        </p:nvPicPr>
+        <p:blipFill>
+          <a:blip r:embed="rId3"/>
+          <a:stretch>
+            <a:fillRect/>
+          </a:stretch>
+        </p:blipFill>
+        <p:spPr>
+          <a:xfrm>
+            <a:off x="4043363" y="3842878"/>
+            <a:ext cx="6003316" cy="2769000"/>
+          </a:xfrm>
+          <a:prstGeom prst="rect">
+            <a:avLst/>
+          </a:prstGeom>
+        </p:spPr>
+      </p:pic>
     </p:spTree>
     <p:extLst>
       <p:ext uri="{BB962C8B-B14F-4D97-AF65-F5344CB8AC3E}">
@@ -26301,6 +26381,36 @@
           <a:chExt cx="0" cy="0"/>
         </a:xfrm>
       </p:grpSpPr>
+      <p:pic>
+        <p:nvPicPr>
+          <p:cNvPr id="9" name="图片 8">
+            <a:extLst>
+              <a:ext uri="{FF2B5EF4-FFF2-40B4-BE49-F238E27FC236}">
+                <a16:creationId xmlns:a16="http://schemas.microsoft.com/office/drawing/2014/main" id="{5EE735A7-28CC-750B-F371-CE365AB37FCD}"/>
+              </a:ext>
+            </a:extLst>
+          </p:cNvPr>
+          <p:cNvPicPr>
+            <a:picLocks noChangeAspect="1"/>
+          </p:cNvPicPr>
+          <p:nvPr/>
+        </p:nvPicPr>
+        <p:blipFill>
+          <a:blip r:embed="rId2"/>
+          <a:stretch>
+            <a:fillRect/>
+          </a:stretch>
+        </p:blipFill>
+        <p:spPr>
+          <a:xfrm>
+            <a:off x="2056497" y="3048000"/>
+            <a:ext cx="1757241" cy="1757241"/>
+          </a:xfrm>
+          <a:prstGeom prst="rect">
+            <a:avLst/>
+          </a:prstGeom>
+        </p:spPr>
+      </p:pic>
       <p:sp>
         <p:nvSpPr>
           <p:cNvPr id="4" name="标题 3">
@@ -26359,7 +26469,13 @@
             </a:extLst>
           </p:cNvPr>
           <p:cNvGraphicFramePr/>
-          <p:nvPr/>
+          <p:nvPr>
+            <p:extLst>
+              <p:ext uri="{D42A27DB-BD31-4B8C-83A1-F6EECF244321}">
+                <p14:modId xmlns:p14="http://schemas.microsoft.com/office/powerpoint/2010/main" val="3787527202"/>
+              </p:ext>
+            </p:extLst>
+          </p:nvPr>
         </p:nvGraphicFramePr>
         <p:xfrm>
           <a:off x="-602456" y="1690688"/>
@@ -26367,40 +26483,10 @@
         </p:xfrm>
         <a:graphic>
           <a:graphicData uri="http://schemas.openxmlformats.org/drawingml/2006/diagram">
-            <dgm:relIds xmlns:dgm="http://schemas.openxmlformats.org/drawingml/2006/diagram" xmlns:r="http://schemas.openxmlformats.org/officeDocument/2006/relationships" r:dm="rId2" r:lo="rId3" r:qs="rId4" r:cs="rId5"/>
+            <dgm:relIds xmlns:dgm="http://schemas.openxmlformats.org/drawingml/2006/diagram" xmlns:r="http://schemas.openxmlformats.org/officeDocument/2006/relationships" r:dm="rId3" r:lo="rId4" r:qs="rId5" r:cs="rId6"/>
           </a:graphicData>
         </a:graphic>
       </p:graphicFrame>
-      <p:pic>
-        <p:nvPicPr>
-          <p:cNvPr id="9" name="图片 8">
-            <a:extLst>
-              <a:ext uri="{FF2B5EF4-FFF2-40B4-BE49-F238E27FC236}">
-                <a16:creationId xmlns:a16="http://schemas.microsoft.com/office/drawing/2014/main" id="{5EE735A7-28CC-750B-F371-CE365AB37FCD}"/>
-              </a:ext>
-            </a:extLst>
-          </p:cNvPr>
-          <p:cNvPicPr>
-            <a:picLocks noChangeAspect="1"/>
-          </p:cNvPicPr>
-          <p:nvPr/>
-        </p:nvPicPr>
-        <p:blipFill>
-          <a:blip r:embed="rId7"/>
-          <a:stretch>
-            <a:fillRect/>
-          </a:stretch>
-        </p:blipFill>
-        <p:spPr>
-          <a:xfrm>
-            <a:off x="2290762" y="3268662"/>
-            <a:ext cx="1325564" cy="1325564"/>
-          </a:xfrm>
-          <a:prstGeom prst="rect">
-            <a:avLst/>
-          </a:prstGeom>
-        </p:spPr>
-      </p:pic>
       <p:pic>
         <p:nvPicPr>
           <p:cNvPr id="11" name="图片 10">
@@ -26803,7 +26889,7 @@
                   <a:schemeClr val="accent2"/>
                 </a:solidFill>
               </a:rPr>
-              <a:t> 是一个复杂的玩具</a:t>
+              <a:t> 只是一个复杂的玩具</a:t>
             </a:r>
             <a:endParaRPr lang="en-US" altLang="zh-CN" sz="1800" dirty="0">
               <a:solidFill>
@@ -26831,7 +26917,7 @@
             <a:pPr lvl="1"/>
             <a:r>
               <a:rPr lang="zh-CN" altLang="en-US" sz="1800" dirty="0"/>
-              <a:t>封装过于复杂，但很有学习价值</a:t>
+              <a:t>封装很复杂，但很有学习价值</a:t>
             </a:r>
             <a:endParaRPr lang="en-US" altLang="zh-CN" sz="1800" dirty="0"/>
           </a:p>
@@ -27147,21 +27233,8 @@
           <a:p>
             <a:r>
               <a:rPr kumimoji="1" lang="zh-CN" altLang="en-US" dirty="0"/>
-              <a:t>知识库  </a:t>
+              <a:t>知识存储形式</a:t>
             </a:r>
-            <a:r>
-              <a:rPr kumimoji="1" lang="en-US" altLang="zh-CN" dirty="0"/>
-              <a:t>or</a:t>
-            </a:r>
-            <a:r>
-              <a:rPr kumimoji="1" lang="zh-CN" altLang="en-US" dirty="0"/>
-              <a:t>  </a:t>
-            </a:r>
-            <a:r>
-              <a:rPr kumimoji="1" lang="en-US" altLang="zh-CN" dirty="0"/>
-              <a:t>Agents</a:t>
-            </a:r>
-            <a:endParaRPr kumimoji="1" lang="zh-CN" altLang="en-US" dirty="0"/>
           </a:p>
         </p:txBody>
       </p:sp>
@@ -27170,16 +27243,22 @@
           <p:cNvPr id="3" name="图示 2">
             <a:extLst>
               <a:ext uri="{FF2B5EF4-FFF2-40B4-BE49-F238E27FC236}">
-                <a16:creationId xmlns:a16="http://schemas.microsoft.com/office/drawing/2014/main" id="{A8736412-CB5E-BD42-F45D-05B6DE653B1D}"/>
+                <a16:creationId xmlns:a16="http://schemas.microsoft.com/office/drawing/2014/main" id="{DF87A305-9D70-B927-638E-F705AC985B6E}"/>
               </a:ext>
             </a:extLst>
           </p:cNvPr>
           <p:cNvGraphicFramePr/>
-          <p:nvPr/>
+          <p:nvPr>
+            <p:extLst>
+              <p:ext uri="{D42A27DB-BD31-4B8C-83A1-F6EECF244321}">
+                <p14:modId xmlns:p14="http://schemas.microsoft.com/office/powerpoint/2010/main" val="2945343757"/>
+              </p:ext>
+            </p:extLst>
+          </p:nvPr>
         </p:nvGraphicFramePr>
         <p:xfrm>
-          <a:off x="2302005" y="1803748"/>
-          <a:ext cx="7587989" cy="4359058"/>
+          <a:off x="2032000" y="1778371"/>
+          <a:ext cx="8128000" cy="4447645"/>
         </p:xfrm>
         <a:graphic>
           <a:graphicData uri="http://schemas.openxmlformats.org/drawingml/2006/diagram">
@@ -27190,7 +27269,7 @@
     </p:spTree>
     <p:extLst>
       <p:ext uri="{BB962C8B-B14F-4D97-AF65-F5344CB8AC3E}">
-        <p14:creationId xmlns:p14="http://schemas.microsoft.com/office/powerpoint/2010/main" val="536676994"/>
+        <p14:creationId xmlns:p14="http://schemas.microsoft.com/office/powerpoint/2010/main" val="3779144013"/>
       </p:ext>
     </p:extLst>
   </p:cSld>
@@ -27240,7 +27319,7 @@
           <a:p>
             <a:r>
               <a:rPr kumimoji="1" lang="zh-CN" altLang="en-US" dirty="0"/>
-              <a:t>知识存储形式</a:t>
+              <a:t>数据库选型</a:t>
             </a:r>
           </a:p>
         </p:txBody>
@@ -27250,7 +27329,7 @@
           <p:cNvPr id="3" name="图示 2">
             <a:extLst>
               <a:ext uri="{FF2B5EF4-FFF2-40B4-BE49-F238E27FC236}">
-                <a16:creationId xmlns:a16="http://schemas.microsoft.com/office/drawing/2014/main" id="{DF87A305-9D70-B927-638E-F705AC985B6E}"/>
+                <a16:creationId xmlns:a16="http://schemas.microsoft.com/office/drawing/2014/main" id="{B235C504-E5AF-1A66-8924-A59E6688A8D9}"/>
               </a:ext>
             </a:extLst>
           </p:cNvPr>
@@ -27258,8 +27337,8 @@
           <p:nvPr/>
         </p:nvGraphicFramePr>
         <p:xfrm>
-          <a:off x="2032000" y="1778371"/>
-          <a:ext cx="8128000" cy="4447645"/>
+          <a:off x="2032000" y="1853852"/>
+          <a:ext cx="8128000" cy="4284481"/>
         </p:xfrm>
         <a:graphic>
           <a:graphicData uri="http://schemas.openxmlformats.org/drawingml/2006/diagram">
@@ -27270,7 +27349,7 @@
     </p:spTree>
     <p:extLst>
       <p:ext uri="{BB962C8B-B14F-4D97-AF65-F5344CB8AC3E}">
-        <p14:creationId xmlns:p14="http://schemas.microsoft.com/office/powerpoint/2010/main" val="3779144013"/>
+        <p14:creationId xmlns:p14="http://schemas.microsoft.com/office/powerpoint/2010/main" val="1024401512"/>
       </p:ext>
     </p:extLst>
   </p:cSld>
@@ -27549,7 +27628,7 @@
           <a:p>
             <a:r>
               <a:rPr kumimoji="1" lang="zh-CN" altLang="en-US" dirty="0"/>
-              <a:t>向量数据库的形式</a:t>
+              <a:t>服务方式选型</a:t>
             </a:r>
           </a:p>
         </p:txBody>
@@ -27559,16 +27638,22 @@
           <p:cNvPr id="3" name="图示 2">
             <a:extLst>
               <a:ext uri="{FF2B5EF4-FFF2-40B4-BE49-F238E27FC236}">
-                <a16:creationId xmlns:a16="http://schemas.microsoft.com/office/drawing/2014/main" id="{B235C504-E5AF-1A66-8924-A59E6688A8D9}"/>
+                <a16:creationId xmlns:a16="http://schemas.microsoft.com/office/drawing/2014/main" id="{94FBEAC0-70CA-E614-3A62-7FA82614ED78}"/>
               </a:ext>
             </a:extLst>
           </p:cNvPr>
           <p:cNvGraphicFramePr/>
-          <p:nvPr/>
+          <p:nvPr>
+            <p:extLst>
+              <p:ext uri="{D42A27DB-BD31-4B8C-83A1-F6EECF244321}">
+                <p14:modId xmlns:p14="http://schemas.microsoft.com/office/powerpoint/2010/main" val="1386457660"/>
+              </p:ext>
+            </p:extLst>
+          </p:nvPr>
         </p:nvGraphicFramePr>
         <p:xfrm>
-          <a:off x="2032000" y="1853852"/>
-          <a:ext cx="8128000" cy="4284481"/>
+          <a:off x="2032000" y="1891430"/>
+          <a:ext cx="8128000" cy="4246903"/>
         </p:xfrm>
         <a:graphic>
           <a:graphicData uri="http://schemas.openxmlformats.org/drawingml/2006/diagram">
@@ -27579,7 +27664,7 @@
     </p:spTree>
     <p:extLst>
       <p:ext uri="{BB962C8B-B14F-4D97-AF65-F5344CB8AC3E}">
-        <p14:creationId xmlns:p14="http://schemas.microsoft.com/office/powerpoint/2010/main" val="1024401512"/>
+        <p14:creationId xmlns:p14="http://schemas.microsoft.com/office/powerpoint/2010/main" val="3710789232"/>
       </p:ext>
     </p:extLst>
   </p:cSld>
@@ -27629,23 +27714,7 @@
           <a:p>
             <a:r>
               <a:rPr kumimoji="1" lang="zh-CN" altLang="en-US" dirty="0"/>
-              <a:t>生成服务  </a:t>
-            </a:r>
-            <a:r>
-              <a:rPr kumimoji="1" lang="en-US" altLang="zh-CN" dirty="0"/>
-              <a:t>or</a:t>
-            </a:r>
-            <a:r>
-              <a:rPr kumimoji="1" lang="zh-CN" altLang="en-US" dirty="0"/>
-              <a:t>  </a:t>
-            </a:r>
-            <a:r>
-              <a:rPr kumimoji="1" lang="en-US" altLang="zh-CN" dirty="0"/>
-              <a:t>Q-Q</a:t>
-            </a:r>
-            <a:r>
-              <a:rPr kumimoji="1" lang="zh-CN" altLang="en-US" dirty="0"/>
-              <a:t> 匹配服务</a:t>
+              <a:t>必须是知识库吗</a:t>
             </a:r>
           </a:p>
         </p:txBody>
@@ -27655,7 +27724,7 @@
           <p:cNvPr id="3" name="图示 2">
             <a:extLst>
               <a:ext uri="{FF2B5EF4-FFF2-40B4-BE49-F238E27FC236}">
-                <a16:creationId xmlns:a16="http://schemas.microsoft.com/office/drawing/2014/main" id="{94FBEAC0-70CA-E614-3A62-7FA82614ED78}"/>
+                <a16:creationId xmlns:a16="http://schemas.microsoft.com/office/drawing/2014/main" id="{A8736412-CB5E-BD42-F45D-05B6DE653B1D}"/>
               </a:ext>
             </a:extLst>
           </p:cNvPr>
@@ -27663,8 +27732,8 @@
           <p:nvPr/>
         </p:nvGraphicFramePr>
         <p:xfrm>
-          <a:off x="2032000" y="1891430"/>
-          <a:ext cx="8128000" cy="4246903"/>
+          <a:off x="2302005" y="1803748"/>
+          <a:ext cx="7587989" cy="4359058"/>
         </p:xfrm>
         <a:graphic>
           <a:graphicData uri="http://schemas.openxmlformats.org/drawingml/2006/diagram">
@@ -27672,10 +27741,64 @@
           </a:graphicData>
         </a:graphic>
       </p:graphicFrame>
+      <p:sp>
+        <p:nvSpPr>
+          <p:cNvPr id="4" name="云形标注 3">
+            <a:extLst>
+              <a:ext uri="{FF2B5EF4-FFF2-40B4-BE49-F238E27FC236}">
+                <a16:creationId xmlns:a16="http://schemas.microsoft.com/office/drawing/2014/main" id="{5757706D-B3AF-57CB-1911-06CF4731E05F}"/>
+              </a:ext>
+            </a:extLst>
+          </p:cNvPr>
+          <p:cNvSpPr/>
+          <p:nvPr/>
+        </p:nvSpPr>
+        <p:spPr>
+          <a:xfrm>
+            <a:off x="502892" y="3983277"/>
+            <a:ext cx="1799113" cy="1254370"/>
+          </a:xfrm>
+          <a:prstGeom prst="cloudCallout">
+            <a:avLst>
+              <a:gd name="adj1" fmla="val 54018"/>
+              <a:gd name="adj2" fmla="val 30725"/>
+            </a:avLst>
+          </a:prstGeom>
+        </p:spPr>
+        <p:style>
+          <a:lnRef idx="3">
+            <a:schemeClr val="lt1"/>
+          </a:lnRef>
+          <a:fillRef idx="1">
+            <a:schemeClr val="accent4"/>
+          </a:fillRef>
+          <a:effectRef idx="1">
+            <a:schemeClr val="accent4"/>
+          </a:effectRef>
+          <a:fontRef idx="minor">
+            <a:schemeClr val="lt1"/>
+          </a:fontRef>
+        </p:style>
+        <p:txBody>
+          <a:bodyPr rtlCol="0" anchor="ctr"/>
+          <a:lstStyle/>
+          <a:p>
+            <a:pPr algn="ctr"/>
+            <a:r>
+              <a:rPr kumimoji="1" lang="en-US" altLang="zh-CN" dirty="0"/>
+              <a:t>prompt</a:t>
+            </a:r>
+            <a:r>
+              <a:rPr kumimoji="1" lang="zh-CN" altLang="en-US" dirty="0"/>
+              <a:t> 包含工具描述</a:t>
+            </a:r>
+          </a:p>
+        </p:txBody>
+      </p:sp>
     </p:spTree>
     <p:extLst>
       <p:ext uri="{BB962C8B-B14F-4D97-AF65-F5344CB8AC3E}">
-        <p14:creationId xmlns:p14="http://schemas.microsoft.com/office/powerpoint/2010/main" val="3710789232"/>
+        <p14:creationId xmlns:p14="http://schemas.microsoft.com/office/powerpoint/2010/main" val="536676994"/>
       </p:ext>
     </p:extLst>
   </p:cSld>
@@ -28170,8 +28293,8 @@
         </p:nvSpPr>
         <p:spPr>
           <a:xfrm>
-            <a:off x="1711367" y="5035317"/>
-            <a:ext cx="8769264" cy="923330"/>
+            <a:off x="1708368" y="4789132"/>
+            <a:ext cx="8769264" cy="1294072"/>
           </a:xfrm>
           <a:prstGeom prst="rect">
             <a:avLst/>
@@ -28191,6 +28314,11 @@
           </a:bodyPr>
           <a:lstStyle/>
           <a:p>
+            <a:pPr>
+              <a:lnSpc>
+                <a:spcPct val="150000"/>
+              </a:lnSpc>
+            </a:pPr>
             <a:r>
               <a:rPr lang="en-US" altLang="zh-CN" b="0" i="0" dirty="0" err="1">
                 <a:effectLst/>
@@ -28223,21 +28351,7 @@
                 <a:effectLst/>
                 <a:latin typeface="Söhne"/>
               </a:rPr>
-              <a:t>）模型，旨在将生成型人工智能（</a:t>
-            </a:r>
-            <a:r>
-              <a:rPr lang="en-US" altLang="zh-CN" b="0" i="0" dirty="0" err="1">
-                <a:effectLst/>
-                <a:latin typeface="Söhne"/>
-              </a:rPr>
-              <a:t>GenAI</a:t>
-            </a:r>
-            <a:r>
-              <a:rPr lang="zh-CN" altLang="en-US" b="0" i="0" dirty="0">
-                <a:effectLst/>
-                <a:latin typeface="Söhne"/>
-              </a:rPr>
-              <a:t>）应用于商业。</a:t>
+              <a:t>）模型，旨在将生成型人工智能应用于商业。</a:t>
             </a:r>
             <a:r>
               <a:rPr lang="en-US" altLang="zh-CN" b="0" i="0" dirty="0">
@@ -28251,21 +28365,21 @@
                 <a:effectLst/>
                 <a:latin typeface="Söhne"/>
               </a:rPr>
-              <a:t>通过引入检索解决方案，弥补了</a:t>
+              <a:t> 通过引入检索解决方案，弥补了 </a:t>
             </a:r>
             <a:r>
-              <a:rPr lang="en-US" altLang="zh-CN" b="0" i="0" dirty="0" err="1">
+              <a:rPr lang="en-US" altLang="zh-CN" b="0" i="0" dirty="0">
                 <a:effectLst/>
                 <a:latin typeface="Söhne"/>
               </a:rPr>
-              <a:t>GenAI</a:t>
+              <a:t>AI</a:t>
             </a:r>
             <a:r>
               <a:rPr lang="zh-CN" altLang="en-US" b="0" i="0" dirty="0">
                 <a:effectLst/>
                 <a:latin typeface="Söhne"/>
               </a:rPr>
-              <a:t>在效率、准确性、安全性和可追溯性方面的不足，推动了大语言模型在预训练和微调中的演变。 </a:t>
+              <a:t> 在效率、准确性、安全性和可追溯性方面的不足，推动了大语言模型在预训练和微调中的演变。 </a:t>
             </a:r>
             <a:endParaRPr kumimoji="1" lang="zh-CN" altLang="en-US" dirty="0"/>
           </a:p>
@@ -28285,6 +28399,283 @@
 </file>
 
 <file path=ppt/slides/slide25.xml><?xml version="1.0" encoding="utf-8"?>
+<p:sld xmlns:a="http://schemas.openxmlformats.org/drawingml/2006/main" xmlns:r="http://schemas.openxmlformats.org/officeDocument/2006/relationships" xmlns:p="http://schemas.openxmlformats.org/presentationml/2006/main">
+  <p:cSld>
+    <p:spTree>
+      <p:nvGrpSpPr>
+        <p:cNvPr id="1" name=""/>
+        <p:cNvGrpSpPr/>
+        <p:nvPr/>
+      </p:nvGrpSpPr>
+      <p:grpSpPr>
+        <a:xfrm>
+          <a:off x="0" y="0"/>
+          <a:ext cx="0" cy="0"/>
+          <a:chOff x="0" y="0"/>
+          <a:chExt cx="0" cy="0"/>
+        </a:xfrm>
+      </p:grpSpPr>
+      <p:sp>
+        <p:nvSpPr>
+          <p:cNvPr id="2" name="标题 1">
+            <a:extLst>
+              <a:ext uri="{FF2B5EF4-FFF2-40B4-BE49-F238E27FC236}">
+                <a16:creationId xmlns:a16="http://schemas.microsoft.com/office/drawing/2014/main" id="{37122C7B-51F9-62E1-E9C7-0DD819C0BF87}"/>
+              </a:ext>
+            </a:extLst>
+          </p:cNvPr>
+          <p:cNvSpPr>
+            <a:spLocks noGrp="1"/>
+          </p:cNvSpPr>
+          <p:nvPr>
+            <p:ph type="title"/>
+          </p:nvPr>
+        </p:nvSpPr>
+        <p:spPr/>
+        <p:txBody>
+          <a:bodyPr/>
+          <a:lstStyle/>
+          <a:p>
+            <a:r>
+              <a:rPr kumimoji="1" lang="zh-CN" altLang="en-US" dirty="0"/>
+              <a:t>新的战场：</a:t>
+            </a:r>
+            <a:r>
+              <a:rPr kumimoji="1" lang="en-US" altLang="zh-CN" dirty="0"/>
+              <a:t>Agents</a:t>
+            </a:r>
+            <a:endParaRPr kumimoji="1" lang="zh-CN" altLang="en-US" dirty="0"/>
+          </a:p>
+        </p:txBody>
+      </p:sp>
+      <p:sp>
+        <p:nvSpPr>
+          <p:cNvPr id="3" name="内容占位符 2">
+            <a:extLst>
+              <a:ext uri="{FF2B5EF4-FFF2-40B4-BE49-F238E27FC236}">
+                <a16:creationId xmlns:a16="http://schemas.microsoft.com/office/drawing/2014/main" id="{AFE5F728-58AD-8FB2-D71B-9DF5C80B3C1D}"/>
+              </a:ext>
+            </a:extLst>
+          </p:cNvPr>
+          <p:cNvSpPr>
+            <a:spLocks noGrp="1"/>
+          </p:cNvSpPr>
+          <p:nvPr>
+            <p:ph idx="1"/>
+          </p:nvPr>
+        </p:nvSpPr>
+        <p:spPr/>
+        <p:txBody>
+          <a:bodyPr/>
+          <a:lstStyle/>
+          <a:p>
+            <a:r>
+              <a:rPr lang="zh-CN" altLang="en-US" dirty="0">
+                <a:solidFill>
+                  <a:schemeClr val="accent2"/>
+                </a:solidFill>
+              </a:rPr>
+              <a:t>大模型是空中楼阁，用户仍不买单</a:t>
+            </a:r>
+            <a:endParaRPr lang="en-US" altLang="zh-CN" dirty="0">
+              <a:solidFill>
+                <a:schemeClr val="accent2"/>
+              </a:solidFill>
+            </a:endParaRPr>
+          </a:p>
+          <a:p>
+            <a:pPr lvl="1"/>
+            <a:r>
+              <a:rPr lang="zh-CN" altLang="en-US" dirty="0"/>
+              <a:t>高愿景、高投入、高门槛</a:t>
+            </a:r>
+            <a:endParaRPr lang="en-US" altLang="zh-CN" dirty="0"/>
+          </a:p>
+          <a:p>
+            <a:pPr lvl="1"/>
+            <a:r>
+              <a:rPr lang="zh-CN" altLang="en-US" dirty="0"/>
+              <a:t>它比我的 </a:t>
+            </a:r>
+            <a:r>
+              <a:rPr lang="en-US" altLang="zh-CN" dirty="0"/>
+              <a:t>PPT</a:t>
+            </a:r>
+            <a:r>
+              <a:rPr lang="zh-CN" altLang="en-US" dirty="0"/>
+              <a:t> 好，但又不如我 （优势是全科 </a:t>
+            </a:r>
+            <a:r>
+              <a:rPr lang="en-US" altLang="zh-CN" dirty="0"/>
+              <a:t>80</a:t>
+            </a:r>
+            <a:r>
+              <a:rPr lang="zh-CN" altLang="en-US" dirty="0"/>
+              <a:t> 分，劣势是只能 </a:t>
+            </a:r>
+            <a:r>
+              <a:rPr lang="en-US" altLang="zh-CN" dirty="0"/>
+              <a:t>80</a:t>
+            </a:r>
+            <a:r>
+              <a:rPr lang="zh-CN" altLang="en-US" dirty="0"/>
+              <a:t> 分）</a:t>
+            </a:r>
+            <a:endParaRPr lang="en-US" altLang="zh-CN" dirty="0"/>
+          </a:p>
+          <a:p>
+            <a:pPr lvl="1"/>
+            <a:r>
+              <a:rPr lang="zh-CN" altLang="en-US" dirty="0"/>
+              <a:t>创意场景容错率高，</a:t>
+            </a:r>
+            <a:r>
+              <a:rPr lang="en-US" altLang="zh-CN" dirty="0"/>
+              <a:t>AI</a:t>
+            </a:r>
+            <a:r>
+              <a:rPr lang="zh-CN" altLang="en-US" dirty="0"/>
+              <a:t> 尚能“卖萌”；严肃的、长线条的、连续性的业务，一着不慎满盘皆输</a:t>
+            </a:r>
+            <a:endParaRPr lang="en-US" altLang="zh-CN" dirty="0"/>
+          </a:p>
+          <a:p>
+            <a:pPr marL="457200" lvl="1" indent="0">
+              <a:buNone/>
+            </a:pPr>
+            <a:endParaRPr lang="en-US" altLang="zh-CN" dirty="0"/>
+          </a:p>
+          <a:p>
+            <a:r>
+              <a:rPr lang="zh-CN" altLang="en-US" dirty="0">
+                <a:solidFill>
+                  <a:schemeClr val="accent2"/>
+                </a:solidFill>
+              </a:rPr>
+              <a:t>大模型未来的新战场： </a:t>
+            </a:r>
+            <a:r>
+              <a:rPr lang="en-US" altLang="zh-CN" dirty="0">
+                <a:solidFill>
+                  <a:schemeClr val="accent2"/>
+                </a:solidFill>
+              </a:rPr>
+              <a:t>Agents</a:t>
+            </a:r>
+          </a:p>
+          <a:p>
+            <a:pPr lvl="1"/>
+            <a:r>
+              <a:rPr lang="zh-CN" altLang="en-US" dirty="0"/>
+              <a:t>一切已经存在的工具都可以成为大模型的助力</a:t>
+            </a:r>
+            <a:endParaRPr lang="en-US" altLang="zh-CN" dirty="0"/>
+          </a:p>
+          <a:p>
+            <a:pPr lvl="1"/>
+            <a:r>
+              <a:rPr lang="zh-CN" altLang="en-US" dirty="0"/>
+              <a:t>避免人工干预 </a:t>
+            </a:r>
+            <a:r>
+              <a:rPr lang="en-US" altLang="zh-CN" dirty="0"/>
+              <a:t>Review</a:t>
+            </a:r>
+          </a:p>
+          <a:p>
+            <a:pPr lvl="1"/>
+            <a:r>
+              <a:rPr lang="zh-CN" altLang="en-US" dirty="0"/>
+              <a:t>避免重新实现各种业务逻辑，节约资源</a:t>
+            </a:r>
+            <a:endParaRPr lang="en-US" altLang="zh-CN" dirty="0"/>
+          </a:p>
+          <a:p>
+            <a:pPr lvl="1"/>
+            <a:r>
+              <a:rPr lang="zh-CN" altLang="en-US" dirty="0"/>
+              <a:t>大模型退居幕后，专注于理解内容，减少“蠢事”曝光</a:t>
+            </a:r>
+            <a:endParaRPr lang="en-US" altLang="zh-CN" dirty="0"/>
+          </a:p>
+          <a:p>
+            <a:pPr lvl="1"/>
+            <a:r>
+              <a:rPr lang="zh-CN" altLang="en-US" dirty="0"/>
+              <a:t>深化微服务</a:t>
+            </a:r>
+            <a:r>
+              <a:rPr lang="en-US" altLang="zh-CN" dirty="0"/>
+              <a:t>/</a:t>
+            </a:r>
+            <a:r>
+              <a:rPr lang="zh-CN" altLang="en-US" dirty="0"/>
+              <a:t>无服务架构发展，加速数据密集型应用的剥离和发展</a:t>
+            </a:r>
+          </a:p>
+        </p:txBody>
+      </p:sp>
+      <p:pic>
+        <p:nvPicPr>
+          <p:cNvPr id="1026" name="Picture 2" descr="從梗圖到抽象藝術：論「我全都要」｜方格子vocus">
+            <a:extLst>
+              <a:ext uri="{FF2B5EF4-FFF2-40B4-BE49-F238E27FC236}">
+                <a16:creationId xmlns:a16="http://schemas.microsoft.com/office/drawing/2014/main" id="{DE87253E-45BE-1A22-B093-0F6759C63AAD}"/>
+              </a:ext>
+            </a:extLst>
+          </p:cNvPr>
+          <p:cNvPicPr>
+            <a:picLocks noChangeAspect="1" noChangeArrowheads="1"/>
+          </p:cNvPicPr>
+          <p:nvPr/>
+        </p:nvPicPr>
+        <p:blipFill>
+          <a:blip r:embed="rId2">
+            <a:extLst>
+              <a:ext uri="{28A0092B-C50C-407E-A947-70E740481C1C}">
+                <a14:useLocalDpi xmlns:a14="http://schemas.microsoft.com/office/drawing/2010/main" val="0"/>
+              </a:ext>
+            </a:extLst>
+          </a:blip>
+          <a:srcRect/>
+          <a:stretch>
+            <a:fillRect/>
+          </a:stretch>
+        </p:blipFill>
+        <p:spPr bwMode="auto">
+          <a:xfrm>
+            <a:off x="6224954" y="3429000"/>
+            <a:ext cx="2336000" cy="1314000"/>
+          </a:xfrm>
+          <a:prstGeom prst="rect">
+            <a:avLst/>
+          </a:prstGeom>
+          <a:noFill/>
+          <a:extLst>
+            <a:ext uri="{909E8E84-426E-40DD-AFC4-6F175D3DCCD1}">
+              <a14:hiddenFill xmlns:a14="http://schemas.microsoft.com/office/drawing/2010/main">
+                <a:solidFill>
+                  <a:srgbClr val="FFFFFF"/>
+                </a:solidFill>
+              </a14:hiddenFill>
+            </a:ext>
+          </a:extLst>
+        </p:spPr>
+      </p:pic>
+    </p:spTree>
+    <p:extLst>
+      <p:ext uri="{BB962C8B-B14F-4D97-AF65-F5344CB8AC3E}">
+        <p14:creationId xmlns:p14="http://schemas.microsoft.com/office/powerpoint/2010/main" val="2296573328"/>
+      </p:ext>
+    </p:extLst>
+  </p:cSld>
+  <p:clrMapOvr>
+    <a:masterClrMapping/>
+  </p:clrMapOvr>
+</p:sld>
+</file>
+
+<file path=ppt/slides/slide26.xml><?xml version="1.0" encoding="utf-8"?>
 <p:sld xmlns:a="http://schemas.openxmlformats.org/drawingml/2006/main" xmlns:r="http://schemas.openxmlformats.org/officeDocument/2006/relationships" xmlns:p="http://schemas.openxmlformats.org/presentationml/2006/main">
   <p:cSld>
     <p:spTree>
@@ -29089,7 +29480,7 @@
             <a:pPr algn="ctr"/>
             <a:r>
               <a:rPr kumimoji="1" lang="en-US" altLang="zh-CN" dirty="0"/>
-              <a:t>-------------</a:t>
+              <a:t>--------------</a:t>
             </a:r>
           </a:p>
           <a:p>
@@ -30071,17 +30462,17 @@
           </a:prstGeom>
         </p:spPr>
         <p:style>
-          <a:lnRef idx="1">
-            <a:schemeClr val="accent4"/>
+          <a:lnRef idx="3">
+            <a:schemeClr val="lt1"/>
           </a:lnRef>
-          <a:fillRef idx="2">
+          <a:fillRef idx="1">
             <a:schemeClr val="accent4"/>
           </a:fillRef>
           <a:effectRef idx="1">
             <a:schemeClr val="accent4"/>
           </a:effectRef>
           <a:fontRef idx="minor">
-            <a:schemeClr val="dk1"/>
+            <a:schemeClr val="lt1"/>
           </a:fontRef>
         </p:style>
         <p:txBody>
@@ -30116,18 +30507,15 @@
           <a:prstGeom prst="diamond">
             <a:avLst/>
           </a:prstGeom>
-          <a:solidFill>
-            <a:schemeClr val="accent3"/>
-          </a:solidFill>
         </p:spPr>
         <p:style>
-          <a:lnRef idx="1">
-            <a:schemeClr val="accent3"/>
+          <a:lnRef idx="3">
+            <a:schemeClr val="lt1"/>
           </a:lnRef>
-          <a:fillRef idx="3">
+          <a:fillRef idx="1">
             <a:schemeClr val="accent3"/>
           </a:fillRef>
-          <a:effectRef idx="2">
+          <a:effectRef idx="1">
             <a:schemeClr val="accent3"/>
           </a:effectRef>
           <a:fontRef idx="minor">
@@ -30168,14 +30556,14 @@
           </a:prstGeom>
         </p:spPr>
         <p:style>
-          <a:lnRef idx="1">
-            <a:schemeClr val="accent2"/>
+          <a:lnRef idx="3">
+            <a:schemeClr val="lt1"/>
           </a:lnRef>
-          <a:fillRef idx="3">
-            <a:schemeClr val="accent2"/>
+          <a:fillRef idx="1">
+            <a:schemeClr val="accent6"/>
           </a:fillRef>
-          <a:effectRef idx="2">
-            <a:schemeClr val="accent2"/>
+          <a:effectRef idx="1">
+            <a:schemeClr val="accent6"/>
           </a:effectRef>
           <a:fontRef idx="minor">
             <a:schemeClr val="lt1"/>
@@ -30263,7 +30651,7 @@
           </a:prstGeom>
           <a:ln w="38100">
             <a:solidFill>
-              <a:schemeClr val="accent3"/>
+              <a:schemeClr val="accent4"/>
             </a:solidFill>
             <a:tailEnd type="triangle"/>
           </a:ln>
@@ -30605,17 +30993,17 @@
           </a:prstGeom>
         </p:spPr>
         <p:style>
-          <a:lnRef idx="1">
-            <a:schemeClr val="accent4"/>
+          <a:lnRef idx="3">
+            <a:schemeClr val="lt1"/>
           </a:lnRef>
-          <a:fillRef idx="2">
+          <a:fillRef idx="1">
             <a:schemeClr val="accent4"/>
           </a:fillRef>
           <a:effectRef idx="1">
             <a:schemeClr val="accent4"/>
           </a:effectRef>
           <a:fontRef idx="minor">
-            <a:schemeClr val="dk1"/>
+            <a:schemeClr val="lt1"/>
           </a:fontRef>
         </p:style>
         <p:txBody>
@@ -30650,18 +31038,15 @@
           <a:prstGeom prst="diamond">
             <a:avLst/>
           </a:prstGeom>
-          <a:solidFill>
-            <a:schemeClr val="accent3"/>
-          </a:solidFill>
         </p:spPr>
         <p:style>
-          <a:lnRef idx="1">
-            <a:schemeClr val="accent3"/>
+          <a:lnRef idx="3">
+            <a:schemeClr val="lt1"/>
           </a:lnRef>
-          <a:fillRef idx="3">
+          <a:fillRef idx="1">
             <a:schemeClr val="accent3"/>
           </a:fillRef>
-          <a:effectRef idx="2">
+          <a:effectRef idx="1">
             <a:schemeClr val="accent3"/>
           </a:effectRef>
           <a:fontRef idx="minor">
@@ -30702,14 +31087,14 @@
           </a:prstGeom>
         </p:spPr>
         <p:style>
-          <a:lnRef idx="1">
-            <a:schemeClr val="accent2"/>
+          <a:lnRef idx="3">
+            <a:schemeClr val="lt1"/>
           </a:lnRef>
-          <a:fillRef idx="3">
-            <a:schemeClr val="accent2"/>
+          <a:fillRef idx="1">
+            <a:schemeClr val="accent6"/>
           </a:fillRef>
-          <a:effectRef idx="2">
-            <a:schemeClr val="accent2"/>
+          <a:effectRef idx="1">
+            <a:schemeClr val="accent6"/>
           </a:effectRef>
           <a:fontRef idx="minor">
             <a:schemeClr val="lt1"/>
@@ -30797,7 +31182,7 @@
           </a:prstGeom>
           <a:ln w="38100">
             <a:solidFill>
-              <a:schemeClr val="accent3"/>
+              <a:schemeClr val="accent4"/>
             </a:solidFill>
             <a:tailEnd type="triangle"/>
           </a:ln>
@@ -31106,17 +31491,17 @@
           </a:prstGeom>
         </p:spPr>
         <p:style>
-          <a:lnRef idx="1">
-            <a:schemeClr val="accent4"/>
+          <a:lnRef idx="3">
+            <a:schemeClr val="lt1"/>
           </a:lnRef>
-          <a:fillRef idx="2">
+          <a:fillRef idx="1">
             <a:schemeClr val="accent4"/>
           </a:fillRef>
           <a:effectRef idx="1">
             <a:schemeClr val="accent4"/>
           </a:effectRef>
           <a:fontRef idx="minor">
-            <a:schemeClr val="dk1"/>
+            <a:schemeClr val="lt1"/>
           </a:fontRef>
         </p:style>
         <p:txBody>
@@ -31151,18 +31536,15 @@
           <a:prstGeom prst="diamond">
             <a:avLst/>
           </a:prstGeom>
-          <a:solidFill>
-            <a:schemeClr val="accent3"/>
-          </a:solidFill>
         </p:spPr>
         <p:style>
-          <a:lnRef idx="1">
-            <a:schemeClr val="accent3"/>
+          <a:lnRef idx="3">
+            <a:schemeClr val="lt1"/>
           </a:lnRef>
-          <a:fillRef idx="3">
+          <a:fillRef idx="1">
             <a:schemeClr val="accent3"/>
           </a:fillRef>
-          <a:effectRef idx="2">
+          <a:effectRef idx="1">
             <a:schemeClr val="accent3"/>
           </a:effectRef>
           <a:fontRef idx="minor">
@@ -31203,14 +31585,14 @@
           </a:prstGeom>
         </p:spPr>
         <p:style>
-          <a:lnRef idx="1">
-            <a:schemeClr val="accent2"/>
+          <a:lnRef idx="3">
+            <a:schemeClr val="lt1"/>
           </a:lnRef>
-          <a:fillRef idx="3">
-            <a:schemeClr val="accent2"/>
+          <a:fillRef idx="1">
+            <a:schemeClr val="accent6"/>
           </a:fillRef>
-          <a:effectRef idx="2">
-            <a:schemeClr val="accent2"/>
+          <a:effectRef idx="1">
+            <a:schemeClr val="accent6"/>
           </a:effectRef>
           <a:fontRef idx="minor">
             <a:schemeClr val="lt1"/>
@@ -31298,7 +31680,7 @@
           </a:prstGeom>
           <a:ln w="38100">
             <a:solidFill>
-              <a:schemeClr val="accent3"/>
+              <a:schemeClr val="accent4"/>
             </a:solidFill>
             <a:tailEnd type="triangle"/>
           </a:ln>
@@ -31421,17 +31803,17 @@
           </a:prstGeom>
         </p:spPr>
         <p:style>
-          <a:lnRef idx="1">
-            <a:schemeClr val="accent4"/>
+          <a:lnRef idx="3">
+            <a:schemeClr val="lt1"/>
           </a:lnRef>
-          <a:fillRef idx="2">
+          <a:fillRef idx="1">
             <a:schemeClr val="accent4"/>
           </a:fillRef>
           <a:effectRef idx="1">
             <a:schemeClr val="accent4"/>
           </a:effectRef>
           <a:fontRef idx="minor">
-            <a:schemeClr val="dk1"/>
+            <a:schemeClr val="lt1"/>
           </a:fontRef>
         </p:style>
         <p:txBody>
@@ -31472,7 +31854,7 @@
           </a:prstGeom>
           <a:ln w="38100">
             <a:solidFill>
-              <a:schemeClr val="accent3"/>
+              <a:schemeClr val="accent4"/>
             </a:solidFill>
             <a:prstDash val="dashDot"/>
             <a:tailEnd type="triangle"/>

--- a/PyCon2023/PyConChina2023-LLM+RAG企业落地-Ai兔兔.pptx
+++ b/PyCon2023/PyConChina2023-LLM+RAG企业落地-Ai兔兔.pptx
@@ -8104,6 +8104,11 @@
             <a:rPr lang="en-US" altLang="zh-CN" dirty="0"/>
             <a:t>Q-Q</a:t>
           </a:r>
+          <a:r>
+            <a:rPr lang="zh-CN" altLang="en-US" dirty="0"/>
+            <a:t> 匹配</a:t>
+          </a:r>
+          <a:endParaRPr lang="en-US" altLang="zh-CN" dirty="0"/>
         </a:p>
       </dgm:t>
     </dgm:pt>
@@ -11510,12 +11515,12 @@
         </a:fontRef>
       </dsp:style>
       <dsp:txBody>
-        <a:bodyPr spcFirstLastPara="0" vert="horz" wrap="square" lIns="247650" tIns="123825" rIns="247650" bIns="123825" numCol="1" spcCol="1270" anchor="ctr" anchorCtr="0">
+        <a:bodyPr spcFirstLastPara="0" vert="horz" wrap="square" lIns="167640" tIns="83820" rIns="167640" bIns="83820" numCol="1" spcCol="1270" anchor="ctr" anchorCtr="0">
           <a:noAutofit/>
         </a:bodyPr>
         <a:lstStyle/>
         <a:p>
-          <a:pPr marL="0" lvl="0" indent="0" algn="ctr" defTabSz="2889250">
+          <a:pPr marL="0" lvl="0" indent="0" algn="ctr" defTabSz="1955800">
             <a:lnSpc>
               <a:spcPct val="90000"/>
             </a:lnSpc>
@@ -11528,7 +11533,7 @@
             <a:buNone/>
           </a:pPr>
           <a:r>
-            <a:rPr lang="zh-CN" altLang="en-US" sz="6500" kern="1200" dirty="0"/>
+            <a:rPr lang="zh-CN" altLang="en-US" sz="4400" kern="1200" dirty="0"/>
             <a:t>生成</a:t>
           </a:r>
         </a:p>
@@ -11769,12 +11774,12 @@
         </a:fontRef>
       </dsp:style>
       <dsp:txBody>
-        <a:bodyPr spcFirstLastPara="0" vert="horz" wrap="square" lIns="247650" tIns="123825" rIns="247650" bIns="123825" numCol="1" spcCol="1270" anchor="ctr" anchorCtr="0">
+        <a:bodyPr spcFirstLastPara="0" vert="horz" wrap="square" lIns="167640" tIns="83820" rIns="167640" bIns="83820" numCol="1" spcCol="1270" anchor="ctr" anchorCtr="0">
           <a:noAutofit/>
         </a:bodyPr>
         <a:lstStyle/>
         <a:p>
-          <a:pPr marL="0" lvl="0" indent="0" algn="ctr" defTabSz="2889250">
+          <a:pPr marL="0" lvl="0" indent="0" algn="ctr" defTabSz="1955800">
             <a:lnSpc>
               <a:spcPct val="90000"/>
             </a:lnSpc>
@@ -11787,9 +11792,14 @@
             <a:buNone/>
           </a:pPr>
           <a:r>
-            <a:rPr lang="en-US" altLang="zh-CN" sz="6500" kern="1200" dirty="0"/>
+            <a:rPr lang="en-US" altLang="zh-CN" sz="4400" kern="1200" dirty="0"/>
             <a:t>Q-Q</a:t>
           </a:r>
+          <a:r>
+            <a:rPr lang="zh-CN" altLang="en-US" sz="4400" kern="1200" dirty="0"/>
+            <a:t> 匹配</a:t>
+          </a:r>
+          <a:endParaRPr lang="en-US" altLang="zh-CN" sz="4400" kern="1200" dirty="0"/>
         </a:p>
       </dsp:txBody>
       <dsp:txXfrm>
@@ -27646,7 +27656,7 @@
           <p:nvPr>
             <p:extLst>
               <p:ext uri="{D42A27DB-BD31-4B8C-83A1-F6EECF244321}">
-                <p14:modId xmlns:p14="http://schemas.microsoft.com/office/powerpoint/2010/main" val="1386457660"/>
+                <p14:modId xmlns:p14="http://schemas.microsoft.com/office/powerpoint/2010/main" val="1646308199"/>
               </p:ext>
             </p:extLst>
           </p:nvPr>

--- a/PyCon2023/PyConChina2023-LLM+RAG企业落地-Ai兔兔.pptx
+++ b/PyCon2023/PyConChina2023-LLM+RAG企业落地-Ai兔兔.pptx
@@ -21747,7 +21747,7 @@
           <a:p>
             <a:fld id="{A485B803-1403-5B46-92A4-FA3D600F5D34}" type="datetimeFigureOut">
               <a:rPr kumimoji="1" lang="zh-CN" altLang="en-US" smtClean="0"/>
-              <a:t>2023/11/23</a:t>
+              <a:t>2023/11/26</a:t>
             </a:fld>
             <a:endParaRPr kumimoji="1" lang="zh-CN" altLang="en-US"/>
           </a:p>
@@ -22243,7 +22243,7 @@
           <a:p>
             <a:fld id="{760FBDFE-C587-4B4C-A407-44438C67B59E}" type="datetimeFigureOut">
               <a:rPr lang="zh-CN" altLang="en-US" smtClean="0"/>
-              <a:t>2023/11/23</a:t>
+              <a:t>2023/11/26</a:t>
             </a:fld>
             <a:endParaRPr lang="zh-CN" altLang="en-US"/>
           </a:p>
@@ -22342,7 +22342,7 @@
           <a:p>
             <a:fld id="{760FBDFE-C587-4B4C-A407-44438C67B59E}" type="datetimeFigureOut">
               <a:rPr lang="zh-CN" altLang="en-US" smtClean="0"/>
-              <a:t>2023/11/23</a:t>
+              <a:t>2023/11/26</a:t>
             </a:fld>
             <a:endParaRPr lang="zh-CN" altLang="en-US"/>
           </a:p>
@@ -22500,7 +22500,7 @@
           <a:p>
             <a:fld id="{760FBDFE-C587-4B4C-A407-44438C67B59E}" type="datetimeFigureOut">
               <a:rPr lang="zh-CN" altLang="en-US" smtClean="0"/>
-              <a:t>2023/11/23</a:t>
+              <a:t>2023/11/26</a:t>
             </a:fld>
             <a:endParaRPr lang="zh-CN" altLang="en-US"/>
           </a:p>
@@ -22771,7 +22771,7 @@
           <a:p>
             <a:fld id="{760FBDFE-C587-4B4C-A407-44438C67B59E}" type="datetimeFigureOut">
               <a:rPr lang="zh-CN" altLang="en-US" smtClean="0"/>
-              <a:t>2023/11/23</a:t>
+              <a:t>2023/11/26</a:t>
             </a:fld>
             <a:endParaRPr lang="zh-CN" altLang="en-US"/>
           </a:p>
@@ -23031,7 +23031,7 @@
           <a:p>
             <a:fld id="{760FBDFE-C587-4B4C-A407-44438C67B59E}" type="datetimeFigureOut">
               <a:rPr lang="zh-CN" altLang="en-US" smtClean="0"/>
-              <a:t>2023/11/23</a:t>
+              <a:t>2023/11/26</a:t>
             </a:fld>
             <a:endParaRPr lang="zh-CN" altLang="en-US"/>
           </a:p>
@@ -23285,7 +23285,7 @@
           <a:p>
             <a:fld id="{760FBDFE-C587-4B4C-A407-44438C67B59E}" type="datetimeFigureOut">
               <a:rPr lang="zh-CN" altLang="en-US" smtClean="0"/>
-              <a:t>2023/11/23</a:t>
+              <a:t>2023/11/26</a:t>
             </a:fld>
             <a:endParaRPr lang="zh-CN" altLang="en-US"/>
           </a:p>
@@ -23699,7 +23699,7 @@
           <a:p>
             <a:fld id="{760FBDFE-C587-4B4C-A407-44438C67B59E}" type="datetimeFigureOut">
               <a:rPr lang="zh-CN" altLang="en-US" smtClean="0"/>
-              <a:t>2023/11/23</a:t>
+              <a:t>2023/11/26</a:t>
             </a:fld>
             <a:endParaRPr lang="zh-CN" altLang="en-US"/>
           </a:p>
@@ -23831,7 +23831,7 @@
           <a:p>
             <a:fld id="{760FBDFE-C587-4B4C-A407-44438C67B59E}" type="datetimeFigureOut">
               <a:rPr lang="zh-CN" altLang="en-US" smtClean="0"/>
-              <a:t>2023/11/23</a:t>
+              <a:t>2023/11/26</a:t>
             </a:fld>
             <a:endParaRPr lang="zh-CN" altLang="en-US"/>
           </a:p>
@@ -23930,7 +23930,7 @@
           <a:p>
             <a:fld id="{760FBDFE-C587-4B4C-A407-44438C67B59E}" type="datetimeFigureOut">
               <a:rPr lang="zh-CN" altLang="en-US" smtClean="0"/>
-              <a:t>2023/11/23</a:t>
+              <a:t>2023/11/26</a:t>
             </a:fld>
             <a:endParaRPr lang="zh-CN" altLang="en-US"/>
           </a:p>
@@ -24102,7 +24102,7 @@
           <a:p>
             <a:fld id="{9EFD9D74-47D9-4702-A33C-335B63B48DBF}" type="datetimeFigureOut">
               <a:rPr lang="zh-CN" altLang="en-US" smtClean="0"/>
-              <a:t>2023/11/23</a:t>
+              <a:t>2023/11/26</a:t>
             </a:fld>
             <a:endParaRPr lang="zh-CN" altLang="en-US" dirty="0"/>
           </a:p>
@@ -24342,7 +24342,7 @@
           <a:p>
             <a:fld id="{760FBDFE-C587-4B4C-A407-44438C67B59E}" type="datetimeFigureOut">
               <a:rPr lang="zh-CN" altLang="en-US" smtClean="0"/>
-              <a:t>2023/11/23</a:t>
+              <a:t>2023/11/26</a:t>
             </a:fld>
             <a:endParaRPr lang="zh-CN" altLang="en-US"/>
           </a:p>
@@ -24571,7 +24571,7 @@
           <a:p>
             <a:fld id="{760FBDFE-C587-4B4C-A407-44438C67B59E}" type="datetimeFigureOut">
               <a:rPr lang="zh-CN" altLang="en-US" smtClean="0"/>
-              <a:t>2023/11/23</a:t>
+              <a:t>2023/11/26</a:t>
             </a:fld>
             <a:endParaRPr lang="zh-CN" altLang="en-US"/>
           </a:p>
@@ -28612,15 +28612,15 @@
             <a:pPr lvl="1"/>
             <a:r>
               <a:rPr lang="zh-CN" altLang="en-US" dirty="0"/>
-              <a:t>深化微服务</a:t>
+              <a:t>促进知识密集型应用的发展，促使对数据密集型应用进行数据</a:t>
             </a:r>
             <a:r>
               <a:rPr lang="en-US" altLang="zh-CN" dirty="0"/>
-              <a:t>/</a:t>
+              <a:t>——</a:t>
             </a:r>
             <a:r>
               <a:rPr lang="zh-CN" altLang="en-US" dirty="0"/>
-              <a:t>无服务架构发展，加速数据密集型应用的剥离和发展</a:t>
+              <a:t>展示剥离的思考</a:t>
             </a:r>
           </a:p>
         </p:txBody>

--- a/PyCon2023/PyConChina2023-LLM+RAG企业落地-Ai兔兔.pptx
+++ b/PyCon2023/PyConChina2023-LLM+RAG企业落地-Ai兔兔.pptx
@@ -21747,7 +21747,7 @@
           <a:p>
             <a:fld id="{A485B803-1403-5B46-92A4-FA3D600F5D34}" type="datetimeFigureOut">
               <a:rPr kumimoji="1" lang="zh-CN" altLang="en-US" smtClean="0"/>
-              <a:t>2023/11/26</a:t>
+              <a:t>2023/12/1</a:t>
             </a:fld>
             <a:endParaRPr kumimoji="1" lang="zh-CN" altLang="en-US"/>
           </a:p>
@@ -22243,7 +22243,7 @@
           <a:p>
             <a:fld id="{760FBDFE-C587-4B4C-A407-44438C67B59E}" type="datetimeFigureOut">
               <a:rPr lang="zh-CN" altLang="en-US" smtClean="0"/>
-              <a:t>2023/11/26</a:t>
+              <a:t>2023/12/1</a:t>
             </a:fld>
             <a:endParaRPr lang="zh-CN" altLang="en-US"/>
           </a:p>
@@ -22342,7 +22342,7 @@
           <a:p>
             <a:fld id="{760FBDFE-C587-4B4C-A407-44438C67B59E}" type="datetimeFigureOut">
               <a:rPr lang="zh-CN" altLang="en-US" smtClean="0"/>
-              <a:t>2023/11/26</a:t>
+              <a:t>2023/12/1</a:t>
             </a:fld>
             <a:endParaRPr lang="zh-CN" altLang="en-US"/>
           </a:p>
@@ -22500,7 +22500,7 @@
           <a:p>
             <a:fld id="{760FBDFE-C587-4B4C-A407-44438C67B59E}" type="datetimeFigureOut">
               <a:rPr lang="zh-CN" altLang="en-US" smtClean="0"/>
-              <a:t>2023/11/26</a:t>
+              <a:t>2023/12/1</a:t>
             </a:fld>
             <a:endParaRPr lang="zh-CN" altLang="en-US"/>
           </a:p>
@@ -22771,7 +22771,7 @@
           <a:p>
             <a:fld id="{760FBDFE-C587-4B4C-A407-44438C67B59E}" type="datetimeFigureOut">
               <a:rPr lang="zh-CN" altLang="en-US" smtClean="0"/>
-              <a:t>2023/11/26</a:t>
+              <a:t>2023/12/1</a:t>
             </a:fld>
             <a:endParaRPr lang="zh-CN" altLang="en-US"/>
           </a:p>
@@ -23031,7 +23031,7 @@
           <a:p>
             <a:fld id="{760FBDFE-C587-4B4C-A407-44438C67B59E}" type="datetimeFigureOut">
               <a:rPr lang="zh-CN" altLang="en-US" smtClean="0"/>
-              <a:t>2023/11/26</a:t>
+              <a:t>2023/12/1</a:t>
             </a:fld>
             <a:endParaRPr lang="zh-CN" altLang="en-US"/>
           </a:p>
@@ -23285,7 +23285,7 @@
           <a:p>
             <a:fld id="{760FBDFE-C587-4B4C-A407-44438C67B59E}" type="datetimeFigureOut">
               <a:rPr lang="zh-CN" altLang="en-US" smtClean="0"/>
-              <a:t>2023/11/26</a:t>
+              <a:t>2023/12/1</a:t>
             </a:fld>
             <a:endParaRPr lang="zh-CN" altLang="en-US"/>
           </a:p>
@@ -23699,7 +23699,7 @@
           <a:p>
             <a:fld id="{760FBDFE-C587-4B4C-A407-44438C67B59E}" type="datetimeFigureOut">
               <a:rPr lang="zh-CN" altLang="en-US" smtClean="0"/>
-              <a:t>2023/11/26</a:t>
+              <a:t>2023/12/1</a:t>
             </a:fld>
             <a:endParaRPr lang="zh-CN" altLang="en-US"/>
           </a:p>
@@ -23831,7 +23831,7 @@
           <a:p>
             <a:fld id="{760FBDFE-C587-4B4C-A407-44438C67B59E}" type="datetimeFigureOut">
               <a:rPr lang="zh-CN" altLang="en-US" smtClean="0"/>
-              <a:t>2023/11/26</a:t>
+              <a:t>2023/12/1</a:t>
             </a:fld>
             <a:endParaRPr lang="zh-CN" altLang="en-US"/>
           </a:p>
@@ -23930,7 +23930,7 @@
           <a:p>
             <a:fld id="{760FBDFE-C587-4B4C-A407-44438C67B59E}" type="datetimeFigureOut">
               <a:rPr lang="zh-CN" altLang="en-US" smtClean="0"/>
-              <a:t>2023/11/26</a:t>
+              <a:t>2023/12/1</a:t>
             </a:fld>
             <a:endParaRPr lang="zh-CN" altLang="en-US"/>
           </a:p>
@@ -24102,7 +24102,7 @@
           <a:p>
             <a:fld id="{9EFD9D74-47D9-4702-A33C-335B63B48DBF}" type="datetimeFigureOut">
               <a:rPr lang="zh-CN" altLang="en-US" smtClean="0"/>
-              <a:t>2023/11/26</a:t>
+              <a:t>2023/12/1</a:t>
             </a:fld>
             <a:endParaRPr lang="zh-CN" altLang="en-US" dirty="0"/>
           </a:p>
@@ -24342,7 +24342,7 @@
           <a:p>
             <a:fld id="{760FBDFE-C587-4B4C-A407-44438C67B59E}" type="datetimeFigureOut">
               <a:rPr lang="zh-CN" altLang="en-US" smtClean="0"/>
-              <a:t>2023/11/26</a:t>
+              <a:t>2023/12/1</a:t>
             </a:fld>
             <a:endParaRPr lang="zh-CN" altLang="en-US"/>
           </a:p>
@@ -24571,7 +24571,7 @@
           <a:p>
             <a:fld id="{760FBDFE-C587-4B4C-A407-44438C67B59E}" type="datetimeFigureOut">
               <a:rPr lang="zh-CN" altLang="en-US" smtClean="0"/>
-              <a:t>2023/11/26</a:t>
+              <a:t>2023/12/1</a:t>
             </a:fld>
             <a:endParaRPr lang="zh-CN" altLang="en-US"/>
           </a:p>
@@ -27190,6 +27190,45 @@
           </a:prstGeom>
         </p:spPr>
       </p:pic>
+      <p:sp>
+        <p:nvSpPr>
+          <p:cNvPr id="2" name="文本框 1">
+            <a:extLst>
+              <a:ext uri="{FF2B5EF4-FFF2-40B4-BE49-F238E27FC236}">
+                <a16:creationId xmlns:a16="http://schemas.microsoft.com/office/drawing/2014/main" id="{33BD2ED7-B0E7-CDEE-B395-392DA0DFFF71}"/>
+              </a:ext>
+            </a:extLst>
+          </p:cNvPr>
+          <p:cNvSpPr txBox="1"/>
+          <p:nvPr/>
+        </p:nvSpPr>
+        <p:spPr>
+          <a:xfrm>
+            <a:off x="1911129" y="2019600"/>
+            <a:ext cx="1300356" cy="369332"/>
+          </a:xfrm>
+          <a:prstGeom prst="rect">
+            <a:avLst/>
+          </a:prstGeom>
+          <a:noFill/>
+        </p:spPr>
+        <p:txBody>
+          <a:bodyPr wrap="none" rtlCol="0">
+            <a:spAutoFit/>
+          </a:bodyPr>
+          <a:lstStyle/>
+          <a:p>
+            <a:r>
+              <a:rPr kumimoji="1" lang="en-US" altLang="zh-CN" dirty="0"/>
+              <a:t>#</a:t>
+            </a:r>
+            <a:r>
+              <a:rPr kumimoji="1" lang="zh-CN" altLang="en-US" dirty="0"/>
+              <a:t> 九方技术</a:t>
+            </a:r>
+          </a:p>
+        </p:txBody>
+      </p:sp>
     </p:spTree>
     <p:extLst>
       <p:ext uri="{BB962C8B-B14F-4D97-AF65-F5344CB8AC3E}">
